--- a/Rishabh Tripathi Associate Consultant KPMG - v4 - Lighthouse.pptx
+++ b/Rishabh Tripathi Associate Consultant KPMG - v4 - Lighthouse.pptx
@@ -5,15 +5,16 @@
     <p:sldMasterId id="2147483660" r:id="rId4"/>
   </p:sldMasterIdLst>
   <p:notesMasterIdLst>
-    <p:notesMasterId r:id="rId6"/>
+    <p:notesMasterId r:id="rId7"/>
   </p:notesMasterIdLst>
   <p:sldIdLst>
     <p:sldId id="785" r:id="rId5"/>
+    <p:sldId id="786" r:id="rId6"/>
   </p:sldIdLst>
   <p:sldSz cx="12192000" cy="6858000"/>
   <p:notesSz cx="6858000" cy="9144000"/>
   <p:custDataLst>
-    <p:tags r:id="rId7"/>
+    <p:tags r:id="rId8"/>
   </p:custDataLst>
   <p:defaultTextStyle>
     <a:defPPr>
@@ -113,7 +114,7 @@
   <p:extLst>
     <p:ext uri="{EFAFB233-063F-42B5-8137-9DF3F51BA10A}">
       <p15:sldGuideLst xmlns:p15="http://schemas.microsoft.com/office/powerpoint/2012/main">
-        <p15:guide id="1" pos="7560" userDrawn="1">
+        <p15:guide id="1" pos="7561" userDrawn="1">
           <p15:clr>
             <a:srgbClr val="A4A3A4"/>
           </p15:clr>
@@ -159,53 +160,13 @@
 <file path=ppt/revisionInfo.xml><?xml version="1.0" encoding="utf-8"?>
 <p1510:revInfo xmlns:a="http://schemas.openxmlformats.org/drawingml/2006/main" xmlns:r="http://schemas.openxmlformats.org/officeDocument/2006/relationships" xmlns:p1510="http://schemas.microsoft.com/office/powerpoint/2015/10/main">
   <p1510:revLst>
-    <p1510:client id="{B24A36CB-6F62-4791-BF7B-0F43D129C2CB}" v="6" dt="2023-09-06T15:44:04.845"/>
+    <p1510:client id="{A5F6616B-1A06-4749-9608-AA319BF17A31}" v="2" dt="2023-11-22T18:14:09.454"/>
   </p1510:revLst>
 </p1510:revInfo>
 </file>
 
 <file path=ppt/changesInfos/changesInfo1.xml><?xml version="1.0" encoding="utf-8"?>
 <pc:chgInfo xmlns:a="http://schemas.openxmlformats.org/drawingml/2006/main" xmlns:r="http://schemas.openxmlformats.org/officeDocument/2006/relationships" xmlns:ac="http://schemas.microsoft.com/office/drawing/2013/main/command" xmlns:pc="http://schemas.microsoft.com/office/powerpoint/2013/main/command">
-  <pc:docChgLst>
-    <pc:chgData name="Tripathi, Rishabh" userId="cfd79da9-aac0-444e-a4e2-aab20ab3edcd" providerId="ADAL" clId="{073F2D91-6EC8-44BA-9202-C15087CC0951}"/>
-    <pc:docChg chg="custSel modSld">
-      <pc:chgData name="Tripathi, Rishabh" userId="cfd79da9-aac0-444e-a4e2-aab20ab3edcd" providerId="ADAL" clId="{073F2D91-6EC8-44BA-9202-C15087CC0951}" dt="2022-05-10T12:08:14.435" v="390" actId="5793"/>
-      <pc:docMkLst>
-        <pc:docMk/>
-      </pc:docMkLst>
-      <pc:sldChg chg="modSp mod">
-        <pc:chgData name="Tripathi, Rishabh" userId="cfd79da9-aac0-444e-a4e2-aab20ab3edcd" providerId="ADAL" clId="{073F2D91-6EC8-44BA-9202-C15087CC0951}" dt="2022-05-10T12:08:14.435" v="390" actId="5793"/>
-        <pc:sldMkLst>
-          <pc:docMk/>
-          <pc:sldMk cId="2977925796" sldId="785"/>
-        </pc:sldMkLst>
-        <pc:spChg chg="mod">
-          <ac:chgData name="Tripathi, Rishabh" userId="cfd79da9-aac0-444e-a4e2-aab20ab3edcd" providerId="ADAL" clId="{073F2D91-6EC8-44BA-9202-C15087CC0951}" dt="2022-05-10T12:08:14.435" v="390" actId="5793"/>
-          <ac:spMkLst>
-            <pc:docMk/>
-            <pc:sldMk cId="2977925796" sldId="785"/>
-            <ac:spMk id="18" creationId="{00000000-0000-0000-0000-000000000000}"/>
-          </ac:spMkLst>
-        </pc:spChg>
-        <pc:spChg chg="mod">
-          <ac:chgData name="Tripathi, Rishabh" userId="cfd79da9-aac0-444e-a4e2-aab20ab3edcd" providerId="ADAL" clId="{073F2D91-6EC8-44BA-9202-C15087CC0951}" dt="2022-05-10T12:02:23.337" v="224" actId="20577"/>
-          <ac:spMkLst>
-            <pc:docMk/>
-            <pc:sldMk cId="2977925796" sldId="785"/>
-            <ac:spMk id="19" creationId="{00000000-0000-0000-0000-000000000000}"/>
-          </ac:spMkLst>
-        </pc:spChg>
-        <pc:picChg chg="mod">
-          <ac:chgData name="Tripathi, Rishabh" userId="cfd79da9-aac0-444e-a4e2-aab20ab3edcd" providerId="ADAL" clId="{073F2D91-6EC8-44BA-9202-C15087CC0951}" dt="2022-05-10T12:07:54.427" v="387" actId="14100"/>
-          <ac:picMkLst>
-            <pc:docMk/>
-            <pc:sldMk cId="2977925796" sldId="785"/>
-            <ac:picMk id="8" creationId="{FD7E4F3C-EB18-4F50-B53A-DA5DB56EE375}"/>
-          </ac:picMkLst>
-        </pc:picChg>
-      </pc:sldChg>
-    </pc:docChg>
-  </pc:docChgLst>
   <pc:docChgLst>
     <pc:chgData name="Tripathi, Rishabh" userId="cfd79da9-aac0-444e-a4e2-aab20ab3edcd" providerId="ADAL" clId="{B24A36CB-6F62-4791-BF7B-0F43D129C2CB}"/>
     <pc:docChg chg="undo custSel modSld">
@@ -358,6 +319,430 @@
       </pc:sldChg>
     </pc:docChg>
   </pc:docChgLst>
+  <pc:docChgLst>
+    <pc:chgData name="Tripathi, Rishabh" userId="cfd79da9-aac0-444e-a4e2-aab20ab3edcd" providerId="ADAL" clId="{A5F6616B-1A06-4749-9608-AA319BF17A31}"/>
+    <pc:docChg chg="undo custSel addSld delSld modSld modMainMaster modNotesMaster">
+      <pc:chgData name="Tripathi, Rishabh" userId="cfd79da9-aac0-444e-a4e2-aab20ab3edcd" providerId="ADAL" clId="{A5F6616B-1A06-4749-9608-AA319BF17A31}" dt="2023-11-22T18:14:09.454" v="30"/>
+      <pc:docMkLst>
+        <pc:docMk/>
+      </pc:docMkLst>
+      <pc:sldChg chg="modSp modNotes">
+        <pc:chgData name="Tripathi, Rishabh" userId="cfd79da9-aac0-444e-a4e2-aab20ab3edcd" providerId="ADAL" clId="{A5F6616B-1A06-4749-9608-AA319BF17A31}" dt="2023-11-22T18:14:09.454" v="30"/>
+        <pc:sldMkLst>
+          <pc:docMk/>
+          <pc:sldMk cId="2977925796" sldId="785"/>
+        </pc:sldMkLst>
+        <pc:spChg chg="mod">
+          <ac:chgData name="Tripathi, Rishabh" userId="cfd79da9-aac0-444e-a4e2-aab20ab3edcd" providerId="ADAL" clId="{A5F6616B-1A06-4749-9608-AA319BF17A31}" dt="2023-11-22T18:14:09.454" v="30"/>
+          <ac:spMkLst>
+            <pc:docMk/>
+            <pc:sldMk cId="2977925796" sldId="785"/>
+            <ac:spMk id="5" creationId="{C8A82FA1-A640-6E7F-83D2-83BB764AE830}"/>
+          </ac:spMkLst>
+        </pc:spChg>
+        <pc:spChg chg="mod">
+          <ac:chgData name="Tripathi, Rishabh" userId="cfd79da9-aac0-444e-a4e2-aab20ab3edcd" providerId="ADAL" clId="{A5F6616B-1A06-4749-9608-AA319BF17A31}" dt="2023-11-22T18:14:09.454" v="30"/>
+          <ac:spMkLst>
+            <pc:docMk/>
+            <pc:sldMk cId="2977925796" sldId="785"/>
+            <ac:spMk id="6" creationId="{F108E6DE-D731-EED2-F76C-32D5A2DB65DB}"/>
+          </ac:spMkLst>
+        </pc:spChg>
+        <pc:spChg chg="mod">
+          <ac:chgData name="Tripathi, Rishabh" userId="cfd79da9-aac0-444e-a4e2-aab20ab3edcd" providerId="ADAL" clId="{A5F6616B-1A06-4749-9608-AA319BF17A31}" dt="2023-11-22T18:14:09.454" v="30"/>
+          <ac:spMkLst>
+            <pc:docMk/>
+            <pc:sldMk cId="2977925796" sldId="785"/>
+            <ac:spMk id="7" creationId="{7F7705BC-BCC0-127B-19D6-EDA701B42130}"/>
+          </ac:spMkLst>
+        </pc:spChg>
+        <pc:spChg chg="mod">
+          <ac:chgData name="Tripathi, Rishabh" userId="cfd79da9-aac0-444e-a4e2-aab20ab3edcd" providerId="ADAL" clId="{A5F6616B-1A06-4749-9608-AA319BF17A31}" dt="2023-11-22T18:14:09.454" v="30"/>
+          <ac:spMkLst>
+            <pc:docMk/>
+            <pc:sldMk cId="2977925796" sldId="785"/>
+            <ac:spMk id="11" creationId="{E98FD351-DCB3-5E67-700D-2531A16FD028}"/>
+          </ac:spMkLst>
+        </pc:spChg>
+        <pc:picChg chg="mod">
+          <ac:chgData name="Tripathi, Rishabh" userId="cfd79da9-aac0-444e-a4e2-aab20ab3edcd" providerId="ADAL" clId="{A5F6616B-1A06-4749-9608-AA319BF17A31}" dt="2023-11-22T18:14:09.454" v="30"/>
+          <ac:picMkLst>
+            <pc:docMk/>
+            <pc:sldMk cId="2977925796" sldId="785"/>
+            <ac:picMk id="9" creationId="{BDC25DBC-4FD1-FA88-7833-F47EE4AF7ACA}"/>
+          </ac:picMkLst>
+        </pc:picChg>
+      </pc:sldChg>
+      <pc:sldChg chg="modSp new add del mod">
+        <pc:chgData name="Tripathi, Rishabh" userId="cfd79da9-aac0-444e-a4e2-aab20ab3edcd" providerId="ADAL" clId="{A5F6616B-1A06-4749-9608-AA319BF17A31}" dt="2023-11-22T18:14:08.817" v="29" actId="20577"/>
+        <pc:sldMkLst>
+          <pc:docMk/>
+          <pc:sldMk cId="2138515364" sldId="786"/>
+        </pc:sldMkLst>
+        <pc:spChg chg="mod">
+          <ac:chgData name="Tripathi, Rishabh" userId="cfd79da9-aac0-444e-a4e2-aab20ab3edcd" providerId="ADAL" clId="{A5F6616B-1A06-4749-9608-AA319BF17A31}" dt="2023-11-22T18:14:08.817" v="29" actId="20577"/>
+          <ac:spMkLst>
+            <pc:docMk/>
+            <pc:sldMk cId="2138515364" sldId="786"/>
+            <ac:spMk id="2" creationId="{879086F0-DDBB-1B13-E282-DD065C30838B}"/>
+          </ac:spMkLst>
+        </pc:spChg>
+      </pc:sldChg>
+      <pc:sldMasterChg chg="modSp modSldLayout">
+        <pc:chgData name="Tripathi, Rishabh" userId="cfd79da9-aac0-444e-a4e2-aab20ab3edcd" providerId="ADAL" clId="{A5F6616B-1A06-4749-9608-AA319BF17A31}" dt="2023-11-22T18:14:09.454" v="30"/>
+        <pc:sldMasterMkLst>
+          <pc:docMk/>
+          <pc:sldMasterMk cId="3521449419" sldId="2147483660"/>
+        </pc:sldMasterMkLst>
+        <pc:spChg chg="mod">
+          <ac:chgData name="Tripathi, Rishabh" userId="cfd79da9-aac0-444e-a4e2-aab20ab3edcd" providerId="ADAL" clId="{A5F6616B-1A06-4749-9608-AA319BF17A31}" dt="2023-11-22T18:14:09.454" v="30"/>
+          <ac:spMkLst>
+            <pc:docMk/>
+            <pc:sldMasterMk cId="3521449419" sldId="2147483660"/>
+            <ac:spMk id="2" creationId="{00000000-0000-0000-0000-000000000000}"/>
+          </ac:spMkLst>
+        </pc:spChg>
+        <pc:spChg chg="mod">
+          <ac:chgData name="Tripathi, Rishabh" userId="cfd79da9-aac0-444e-a4e2-aab20ab3edcd" providerId="ADAL" clId="{A5F6616B-1A06-4749-9608-AA319BF17A31}" dt="2023-11-22T18:14:09.454" v="30"/>
+          <ac:spMkLst>
+            <pc:docMk/>
+            <pc:sldMasterMk cId="3521449419" sldId="2147483660"/>
+            <ac:spMk id="3" creationId="{00000000-0000-0000-0000-000000000000}"/>
+          </ac:spMkLst>
+        </pc:spChg>
+        <pc:spChg chg="mod">
+          <ac:chgData name="Tripathi, Rishabh" userId="cfd79da9-aac0-444e-a4e2-aab20ab3edcd" providerId="ADAL" clId="{A5F6616B-1A06-4749-9608-AA319BF17A31}" dt="2023-11-22T18:14:09.454" v="30"/>
+          <ac:spMkLst>
+            <pc:docMk/>
+            <pc:sldMasterMk cId="3521449419" sldId="2147483660"/>
+            <ac:spMk id="29" creationId="{00000000-0000-0000-0000-000000000000}"/>
+          </ac:spMkLst>
+        </pc:spChg>
+        <pc:spChg chg="mod">
+          <ac:chgData name="Tripathi, Rishabh" userId="cfd79da9-aac0-444e-a4e2-aab20ab3edcd" providerId="ADAL" clId="{A5F6616B-1A06-4749-9608-AA319BF17A31}" dt="2023-11-22T18:14:09.454" v="30"/>
+          <ac:spMkLst>
+            <pc:docMk/>
+            <pc:sldMasterMk cId="3521449419" sldId="2147483660"/>
+            <ac:spMk id="30" creationId="{00000000-0000-0000-0000-000000000000}"/>
+          </ac:spMkLst>
+        </pc:spChg>
+        <pc:sldLayoutChg chg="modSp">
+          <pc:chgData name="Tripathi, Rishabh" userId="cfd79da9-aac0-444e-a4e2-aab20ab3edcd" providerId="ADAL" clId="{A5F6616B-1A06-4749-9608-AA319BF17A31}" dt="2023-11-22T18:14:09.454" v="30"/>
+          <pc:sldLayoutMkLst>
+            <pc:docMk/>
+            <pc:sldMasterMk cId="3521449419" sldId="2147483660"/>
+            <pc:sldLayoutMk cId="1086707192" sldId="2147483666"/>
+          </pc:sldLayoutMkLst>
+          <pc:spChg chg="mod">
+            <ac:chgData name="Tripathi, Rishabh" userId="cfd79da9-aac0-444e-a4e2-aab20ab3edcd" providerId="ADAL" clId="{A5F6616B-1A06-4749-9608-AA319BF17A31}" dt="2023-11-22T18:14:09.454" v="30"/>
+            <ac:spMkLst>
+              <pc:docMk/>
+              <pc:sldMasterMk cId="3521449419" sldId="2147483660"/>
+              <pc:sldLayoutMk cId="1086707192" sldId="2147483666"/>
+              <ac:spMk id="3" creationId="{00000000-0000-0000-0000-000000000000}"/>
+            </ac:spMkLst>
+          </pc:spChg>
+          <pc:spChg chg="mod">
+            <ac:chgData name="Tripathi, Rishabh" userId="cfd79da9-aac0-444e-a4e2-aab20ab3edcd" providerId="ADAL" clId="{A5F6616B-1A06-4749-9608-AA319BF17A31}" dt="2023-11-22T18:14:09.454" v="30"/>
+            <ac:spMkLst>
+              <pc:docMk/>
+              <pc:sldMasterMk cId="3521449419" sldId="2147483660"/>
+              <pc:sldLayoutMk cId="1086707192" sldId="2147483666"/>
+              <ac:spMk id="4" creationId="{00000000-0000-0000-0000-000000000000}"/>
+            </ac:spMkLst>
+          </pc:spChg>
+          <pc:spChg chg="mod">
+            <ac:chgData name="Tripathi, Rishabh" userId="cfd79da9-aac0-444e-a4e2-aab20ab3edcd" providerId="ADAL" clId="{A5F6616B-1A06-4749-9608-AA319BF17A31}" dt="2023-11-22T18:14:09.454" v="30"/>
+            <ac:spMkLst>
+              <pc:docMk/>
+              <pc:sldMasterMk cId="3521449419" sldId="2147483660"/>
+              <pc:sldLayoutMk cId="1086707192" sldId="2147483666"/>
+              <ac:spMk id="40" creationId="{00000000-0000-0000-0000-000000000000}"/>
+            </ac:spMkLst>
+          </pc:spChg>
+          <pc:picChg chg="mod">
+            <ac:chgData name="Tripathi, Rishabh" userId="cfd79da9-aac0-444e-a4e2-aab20ab3edcd" providerId="ADAL" clId="{A5F6616B-1A06-4749-9608-AA319BF17A31}" dt="2023-11-22T18:14:09.454" v="30"/>
+            <ac:picMkLst>
+              <pc:docMk/>
+              <pc:sldMasterMk cId="3521449419" sldId="2147483660"/>
+              <pc:sldLayoutMk cId="1086707192" sldId="2147483666"/>
+              <ac:picMk id="2" creationId="{00000000-0000-0000-0000-000000000000}"/>
+            </ac:picMkLst>
+          </pc:picChg>
+        </pc:sldLayoutChg>
+        <pc:sldLayoutChg chg="modSp">
+          <pc:chgData name="Tripathi, Rishabh" userId="cfd79da9-aac0-444e-a4e2-aab20ab3edcd" providerId="ADAL" clId="{A5F6616B-1A06-4749-9608-AA319BF17A31}" dt="2023-11-22T18:14:09.454" v="30"/>
+          <pc:sldLayoutMkLst>
+            <pc:docMk/>
+            <pc:sldMasterMk cId="3521449419" sldId="2147483660"/>
+            <pc:sldLayoutMk cId="3267273653" sldId="2147483667"/>
+          </pc:sldLayoutMkLst>
+          <pc:spChg chg="mod">
+            <ac:chgData name="Tripathi, Rishabh" userId="cfd79da9-aac0-444e-a4e2-aab20ab3edcd" providerId="ADAL" clId="{A5F6616B-1A06-4749-9608-AA319BF17A31}" dt="2023-11-22T18:14:09.454" v="30"/>
+            <ac:spMkLst>
+              <pc:docMk/>
+              <pc:sldMasterMk cId="3521449419" sldId="2147483660"/>
+              <pc:sldLayoutMk cId="3267273653" sldId="2147483667"/>
+              <ac:spMk id="10" creationId="{00000000-0000-0000-0000-000000000000}"/>
+            </ac:spMkLst>
+          </pc:spChg>
+          <pc:spChg chg="mod">
+            <ac:chgData name="Tripathi, Rishabh" userId="cfd79da9-aac0-444e-a4e2-aab20ab3edcd" providerId="ADAL" clId="{A5F6616B-1A06-4749-9608-AA319BF17A31}" dt="2023-11-22T18:14:09.454" v="30"/>
+            <ac:spMkLst>
+              <pc:docMk/>
+              <pc:sldMasterMk cId="3521449419" sldId="2147483660"/>
+              <pc:sldLayoutMk cId="3267273653" sldId="2147483667"/>
+              <ac:spMk id="11" creationId="{00000000-0000-0000-0000-000000000000}"/>
+            </ac:spMkLst>
+          </pc:spChg>
+          <pc:spChg chg="mod">
+            <ac:chgData name="Tripathi, Rishabh" userId="cfd79da9-aac0-444e-a4e2-aab20ab3edcd" providerId="ADAL" clId="{A5F6616B-1A06-4749-9608-AA319BF17A31}" dt="2023-11-22T18:14:09.454" v="30"/>
+            <ac:spMkLst>
+              <pc:docMk/>
+              <pc:sldMasterMk cId="3521449419" sldId="2147483660"/>
+              <pc:sldLayoutMk cId="3267273653" sldId="2147483667"/>
+              <ac:spMk id="13" creationId="{00000000-0000-0000-0000-000000000000}"/>
+            </ac:spMkLst>
+          </pc:spChg>
+          <pc:spChg chg="mod">
+            <ac:chgData name="Tripathi, Rishabh" userId="cfd79da9-aac0-444e-a4e2-aab20ab3edcd" providerId="ADAL" clId="{A5F6616B-1A06-4749-9608-AA319BF17A31}" dt="2023-11-22T18:14:09.454" v="30"/>
+            <ac:spMkLst>
+              <pc:docMk/>
+              <pc:sldMasterMk cId="3521449419" sldId="2147483660"/>
+              <pc:sldLayoutMk cId="3267273653" sldId="2147483667"/>
+              <ac:spMk id="14" creationId="{00000000-0000-0000-0000-000000000000}"/>
+            </ac:spMkLst>
+          </pc:spChg>
+          <pc:spChg chg="mod">
+            <ac:chgData name="Tripathi, Rishabh" userId="cfd79da9-aac0-444e-a4e2-aab20ab3edcd" providerId="ADAL" clId="{A5F6616B-1A06-4749-9608-AA319BF17A31}" dt="2023-11-22T18:14:09.454" v="30"/>
+            <ac:spMkLst>
+              <pc:docMk/>
+              <pc:sldMasterMk cId="3521449419" sldId="2147483660"/>
+              <pc:sldLayoutMk cId="3267273653" sldId="2147483667"/>
+              <ac:spMk id="15" creationId="{00000000-0000-0000-0000-000000000000}"/>
+            </ac:spMkLst>
+          </pc:spChg>
+          <pc:spChg chg="mod">
+            <ac:chgData name="Tripathi, Rishabh" userId="cfd79da9-aac0-444e-a4e2-aab20ab3edcd" providerId="ADAL" clId="{A5F6616B-1A06-4749-9608-AA319BF17A31}" dt="2023-11-22T18:14:09.454" v="30"/>
+            <ac:spMkLst>
+              <pc:docMk/>
+              <pc:sldMasterMk cId="3521449419" sldId="2147483660"/>
+              <pc:sldLayoutMk cId="3267273653" sldId="2147483667"/>
+              <ac:spMk id="16" creationId="{00000000-0000-0000-0000-000000000000}"/>
+            </ac:spMkLst>
+          </pc:spChg>
+          <pc:spChg chg="mod">
+            <ac:chgData name="Tripathi, Rishabh" userId="cfd79da9-aac0-444e-a4e2-aab20ab3edcd" providerId="ADAL" clId="{A5F6616B-1A06-4749-9608-AA319BF17A31}" dt="2023-11-22T18:14:09.454" v="30"/>
+            <ac:spMkLst>
+              <pc:docMk/>
+              <pc:sldMasterMk cId="3521449419" sldId="2147483660"/>
+              <pc:sldLayoutMk cId="3267273653" sldId="2147483667"/>
+              <ac:spMk id="23" creationId="{00000000-0000-0000-0000-000000000000}"/>
+            </ac:spMkLst>
+          </pc:spChg>
+          <pc:spChg chg="mod">
+            <ac:chgData name="Tripathi, Rishabh" userId="cfd79da9-aac0-444e-a4e2-aab20ab3edcd" providerId="ADAL" clId="{A5F6616B-1A06-4749-9608-AA319BF17A31}" dt="2023-11-22T18:14:09.454" v="30"/>
+            <ac:spMkLst>
+              <pc:docMk/>
+              <pc:sldMasterMk cId="3521449419" sldId="2147483660"/>
+              <pc:sldLayoutMk cId="3267273653" sldId="2147483667"/>
+              <ac:spMk id="24" creationId="{00000000-0000-0000-0000-000000000000}"/>
+            </ac:spMkLst>
+          </pc:spChg>
+          <pc:picChg chg="mod">
+            <ac:chgData name="Tripathi, Rishabh" userId="cfd79da9-aac0-444e-a4e2-aab20ab3edcd" providerId="ADAL" clId="{A5F6616B-1A06-4749-9608-AA319BF17A31}" dt="2023-11-22T18:14:09.454" v="30"/>
+            <ac:picMkLst>
+              <pc:docMk/>
+              <pc:sldMasterMk cId="3521449419" sldId="2147483660"/>
+              <pc:sldLayoutMk cId="3267273653" sldId="2147483667"/>
+              <ac:picMk id="25" creationId="{00000000-0000-0000-0000-000000000000}"/>
+            </ac:picMkLst>
+          </pc:picChg>
+          <pc:picChg chg="mod">
+            <ac:chgData name="Tripathi, Rishabh" userId="cfd79da9-aac0-444e-a4e2-aab20ab3edcd" providerId="ADAL" clId="{A5F6616B-1A06-4749-9608-AA319BF17A31}" dt="2023-11-22T18:14:09.454" v="30"/>
+            <ac:picMkLst>
+              <pc:docMk/>
+              <pc:sldMasterMk cId="3521449419" sldId="2147483660"/>
+              <pc:sldLayoutMk cId="3267273653" sldId="2147483667"/>
+              <ac:picMk id="26" creationId="{00000000-0000-0000-0000-000000000000}"/>
+            </ac:picMkLst>
+          </pc:picChg>
+        </pc:sldLayoutChg>
+        <pc:sldLayoutChg chg="modSp">
+          <pc:chgData name="Tripathi, Rishabh" userId="cfd79da9-aac0-444e-a4e2-aab20ab3edcd" providerId="ADAL" clId="{A5F6616B-1A06-4749-9608-AA319BF17A31}" dt="2023-11-22T18:14:09.454" v="30"/>
+          <pc:sldLayoutMkLst>
+            <pc:docMk/>
+            <pc:sldMasterMk cId="3521449419" sldId="2147483660"/>
+            <pc:sldLayoutMk cId="18981440" sldId="2147483684"/>
+          </pc:sldLayoutMkLst>
+          <pc:spChg chg="mod">
+            <ac:chgData name="Tripathi, Rishabh" userId="cfd79da9-aac0-444e-a4e2-aab20ab3edcd" providerId="ADAL" clId="{A5F6616B-1A06-4749-9608-AA319BF17A31}" dt="2023-11-22T18:14:09.454" v="30"/>
+            <ac:spMkLst>
+              <pc:docMk/>
+              <pc:sldMasterMk cId="3521449419" sldId="2147483660"/>
+              <pc:sldLayoutMk cId="18981440" sldId="2147483684"/>
+              <ac:spMk id="6" creationId="{00000000-0000-0000-0000-000000000000}"/>
+            </ac:spMkLst>
+          </pc:spChg>
+          <pc:spChg chg="mod">
+            <ac:chgData name="Tripathi, Rishabh" userId="cfd79da9-aac0-444e-a4e2-aab20ab3edcd" providerId="ADAL" clId="{A5F6616B-1A06-4749-9608-AA319BF17A31}" dt="2023-11-22T18:14:09.454" v="30"/>
+            <ac:spMkLst>
+              <pc:docMk/>
+              <pc:sldMasterMk cId="3521449419" sldId="2147483660"/>
+              <pc:sldLayoutMk cId="18981440" sldId="2147483684"/>
+              <ac:spMk id="7" creationId="{00000000-0000-0000-0000-000000000000}"/>
+            </ac:spMkLst>
+          </pc:spChg>
+          <pc:spChg chg="mod">
+            <ac:chgData name="Tripathi, Rishabh" userId="cfd79da9-aac0-444e-a4e2-aab20ab3edcd" providerId="ADAL" clId="{A5F6616B-1A06-4749-9608-AA319BF17A31}" dt="2023-11-22T18:14:09.454" v="30"/>
+            <ac:spMkLst>
+              <pc:docMk/>
+              <pc:sldMasterMk cId="3521449419" sldId="2147483660"/>
+              <pc:sldLayoutMk cId="18981440" sldId="2147483684"/>
+              <ac:spMk id="9" creationId="{00000000-0000-0000-0000-000000000000}"/>
+            </ac:spMkLst>
+          </pc:spChg>
+          <pc:spChg chg="mod">
+            <ac:chgData name="Tripathi, Rishabh" userId="cfd79da9-aac0-444e-a4e2-aab20ab3edcd" providerId="ADAL" clId="{A5F6616B-1A06-4749-9608-AA319BF17A31}" dt="2023-11-22T18:14:09.454" v="30"/>
+            <ac:spMkLst>
+              <pc:docMk/>
+              <pc:sldMasterMk cId="3521449419" sldId="2147483660"/>
+              <pc:sldLayoutMk cId="18981440" sldId="2147483684"/>
+              <ac:spMk id="10" creationId="{00000000-0000-0000-0000-000000000000}"/>
+            </ac:spMkLst>
+          </pc:spChg>
+        </pc:sldLayoutChg>
+        <pc:sldLayoutChg chg="modSp">
+          <pc:chgData name="Tripathi, Rishabh" userId="cfd79da9-aac0-444e-a4e2-aab20ab3edcd" providerId="ADAL" clId="{A5F6616B-1A06-4749-9608-AA319BF17A31}" dt="2023-11-22T18:14:09.454" v="30"/>
+          <pc:sldLayoutMkLst>
+            <pc:docMk/>
+            <pc:sldMasterMk cId="3521449419" sldId="2147483660"/>
+            <pc:sldLayoutMk cId="3367881433" sldId="2147483709"/>
+          </pc:sldLayoutMkLst>
+          <pc:spChg chg="mod">
+            <ac:chgData name="Tripathi, Rishabh" userId="cfd79da9-aac0-444e-a4e2-aab20ab3edcd" providerId="ADAL" clId="{A5F6616B-1A06-4749-9608-AA319BF17A31}" dt="2023-11-22T18:14:09.454" v="30"/>
+            <ac:spMkLst>
+              <pc:docMk/>
+              <pc:sldMasterMk cId="3521449419" sldId="2147483660"/>
+              <pc:sldLayoutMk cId="3367881433" sldId="2147483709"/>
+              <ac:spMk id="7" creationId="{00000000-0000-0000-0000-000000000000}"/>
+            </ac:spMkLst>
+          </pc:spChg>
+          <pc:picChg chg="mod">
+            <ac:chgData name="Tripathi, Rishabh" userId="cfd79da9-aac0-444e-a4e2-aab20ab3edcd" providerId="ADAL" clId="{A5F6616B-1A06-4749-9608-AA319BF17A31}" dt="2023-11-22T18:14:09.454" v="30"/>
+            <ac:picMkLst>
+              <pc:docMk/>
+              <pc:sldMasterMk cId="3521449419" sldId="2147483660"/>
+              <pc:sldLayoutMk cId="3367881433" sldId="2147483709"/>
+              <ac:picMk id="2" creationId="{00000000-0000-0000-0000-000000000000}"/>
+            </ac:picMkLst>
+          </pc:picChg>
+        </pc:sldLayoutChg>
+        <pc:sldLayoutChg chg="modSp">
+          <pc:chgData name="Tripathi, Rishabh" userId="cfd79da9-aac0-444e-a4e2-aab20ab3edcd" providerId="ADAL" clId="{A5F6616B-1A06-4749-9608-AA319BF17A31}" dt="2023-11-22T18:14:09.454" v="30"/>
+          <pc:sldLayoutMkLst>
+            <pc:docMk/>
+            <pc:sldMasterMk cId="3521449419" sldId="2147483660"/>
+            <pc:sldLayoutMk cId="3380677268" sldId="2147483710"/>
+          </pc:sldLayoutMkLst>
+          <pc:spChg chg="mod">
+            <ac:chgData name="Tripathi, Rishabh" userId="cfd79da9-aac0-444e-a4e2-aab20ab3edcd" providerId="ADAL" clId="{A5F6616B-1A06-4749-9608-AA319BF17A31}" dt="2023-11-22T18:14:09.454" v="30"/>
+            <ac:spMkLst>
+              <pc:docMk/>
+              <pc:sldMasterMk cId="3521449419" sldId="2147483660"/>
+              <pc:sldLayoutMk cId="3380677268" sldId="2147483710"/>
+              <ac:spMk id="9" creationId="{00000000-0000-0000-0000-000000000000}"/>
+            </ac:spMkLst>
+          </pc:spChg>
+          <pc:spChg chg="mod">
+            <ac:chgData name="Tripathi, Rishabh" userId="cfd79da9-aac0-444e-a4e2-aab20ab3edcd" providerId="ADAL" clId="{A5F6616B-1A06-4749-9608-AA319BF17A31}" dt="2023-11-22T18:14:09.454" v="30"/>
+            <ac:spMkLst>
+              <pc:docMk/>
+              <pc:sldMasterMk cId="3521449419" sldId="2147483660"/>
+              <pc:sldLayoutMk cId="3380677268" sldId="2147483710"/>
+              <ac:spMk id="10" creationId="{00000000-0000-0000-0000-000000000000}"/>
+            </ac:spMkLst>
+          </pc:spChg>
+          <pc:spChg chg="mod">
+            <ac:chgData name="Tripathi, Rishabh" userId="cfd79da9-aac0-444e-a4e2-aab20ab3edcd" providerId="ADAL" clId="{A5F6616B-1A06-4749-9608-AA319BF17A31}" dt="2023-11-22T18:14:09.454" v="30"/>
+            <ac:spMkLst>
+              <pc:docMk/>
+              <pc:sldMasterMk cId="3521449419" sldId="2147483660"/>
+              <pc:sldLayoutMk cId="3380677268" sldId="2147483710"/>
+              <ac:spMk id="18" creationId="{00000000-0000-0000-0000-000000000000}"/>
+            </ac:spMkLst>
+          </pc:spChg>
+          <pc:spChg chg="mod">
+            <ac:chgData name="Tripathi, Rishabh" userId="cfd79da9-aac0-444e-a4e2-aab20ab3edcd" providerId="ADAL" clId="{A5F6616B-1A06-4749-9608-AA319BF17A31}" dt="2023-11-22T18:14:09.454" v="30"/>
+            <ac:spMkLst>
+              <pc:docMk/>
+              <pc:sldMasterMk cId="3521449419" sldId="2147483660"/>
+              <pc:sldLayoutMk cId="3380677268" sldId="2147483710"/>
+              <ac:spMk id="19" creationId="{00000000-0000-0000-0000-000000000000}"/>
+            </ac:spMkLst>
+          </pc:spChg>
+          <pc:spChg chg="mod">
+            <ac:chgData name="Tripathi, Rishabh" userId="cfd79da9-aac0-444e-a4e2-aab20ab3edcd" providerId="ADAL" clId="{A5F6616B-1A06-4749-9608-AA319BF17A31}" dt="2023-11-22T18:14:09.454" v="30"/>
+            <ac:spMkLst>
+              <pc:docMk/>
+              <pc:sldMasterMk cId="3521449419" sldId="2147483660"/>
+              <pc:sldLayoutMk cId="3380677268" sldId="2147483710"/>
+              <ac:spMk id="22" creationId="{00000000-0000-0000-0000-000000000000}"/>
+            </ac:spMkLst>
+          </pc:spChg>
+          <pc:spChg chg="mod">
+            <ac:chgData name="Tripathi, Rishabh" userId="cfd79da9-aac0-444e-a4e2-aab20ab3edcd" providerId="ADAL" clId="{A5F6616B-1A06-4749-9608-AA319BF17A31}" dt="2023-11-22T18:14:09.454" v="30"/>
+            <ac:spMkLst>
+              <pc:docMk/>
+              <pc:sldMasterMk cId="3521449419" sldId="2147483660"/>
+              <pc:sldLayoutMk cId="3380677268" sldId="2147483710"/>
+              <ac:spMk id="52" creationId="{00000000-0000-0000-0000-000000000000}"/>
+            </ac:spMkLst>
+          </pc:spChg>
+        </pc:sldLayoutChg>
+      </pc:sldMasterChg>
+    </pc:docChg>
+  </pc:docChgLst>
+  <pc:docChgLst>
+    <pc:chgData name="Tripathi, Rishabh" userId="cfd79da9-aac0-444e-a4e2-aab20ab3edcd" providerId="ADAL" clId="{073F2D91-6EC8-44BA-9202-C15087CC0951}"/>
+    <pc:docChg chg="custSel modSld">
+      <pc:chgData name="Tripathi, Rishabh" userId="cfd79da9-aac0-444e-a4e2-aab20ab3edcd" providerId="ADAL" clId="{073F2D91-6EC8-44BA-9202-C15087CC0951}" dt="2022-05-10T12:08:14.435" v="390" actId="5793"/>
+      <pc:docMkLst>
+        <pc:docMk/>
+      </pc:docMkLst>
+      <pc:sldChg chg="modSp mod">
+        <pc:chgData name="Tripathi, Rishabh" userId="cfd79da9-aac0-444e-a4e2-aab20ab3edcd" providerId="ADAL" clId="{073F2D91-6EC8-44BA-9202-C15087CC0951}" dt="2022-05-10T12:08:14.435" v="390" actId="5793"/>
+        <pc:sldMkLst>
+          <pc:docMk/>
+          <pc:sldMk cId="2977925796" sldId="785"/>
+        </pc:sldMkLst>
+        <pc:spChg chg="mod">
+          <ac:chgData name="Tripathi, Rishabh" userId="cfd79da9-aac0-444e-a4e2-aab20ab3edcd" providerId="ADAL" clId="{073F2D91-6EC8-44BA-9202-C15087CC0951}" dt="2022-05-10T12:08:14.435" v="390" actId="5793"/>
+          <ac:spMkLst>
+            <pc:docMk/>
+            <pc:sldMk cId="2977925796" sldId="785"/>
+            <ac:spMk id="18" creationId="{00000000-0000-0000-0000-000000000000}"/>
+          </ac:spMkLst>
+        </pc:spChg>
+        <pc:spChg chg="mod">
+          <ac:chgData name="Tripathi, Rishabh" userId="cfd79da9-aac0-444e-a4e2-aab20ab3edcd" providerId="ADAL" clId="{073F2D91-6EC8-44BA-9202-C15087CC0951}" dt="2022-05-10T12:02:23.337" v="224" actId="20577"/>
+          <ac:spMkLst>
+            <pc:docMk/>
+            <pc:sldMk cId="2977925796" sldId="785"/>
+            <ac:spMk id="19" creationId="{00000000-0000-0000-0000-000000000000}"/>
+          </ac:spMkLst>
+        </pc:spChg>
+        <pc:picChg chg="mod">
+          <ac:chgData name="Tripathi, Rishabh" userId="cfd79da9-aac0-444e-a4e2-aab20ab3edcd" providerId="ADAL" clId="{073F2D91-6EC8-44BA-9202-C15087CC0951}" dt="2022-05-10T12:07:54.427" v="387" actId="14100"/>
+          <ac:picMkLst>
+            <pc:docMk/>
+            <pc:sldMk cId="2977925796" sldId="785"/>
+            <ac:picMk id="8" creationId="{FD7E4F3C-EB18-4F50-B53A-DA5DB56EE375}"/>
+          </ac:picMkLst>
+        </pc:picChg>
+      </pc:sldChg>
+    </pc:docChg>
+  </pc:docChgLst>
 </pc:chgInfo>
 </file>
 
@@ -448,7 +833,7 @@
             <a:fld id="{3C982ACC-9C2C-43E6-BDA1-4B43F10D0D7C}" type="datetimeFigureOut">
               <a:rPr lang="en-US" smtClean="0"/>
               <a:pPr/>
-              <a:t>9/7/2023</a:t>
+              <a:t>11/22/2023</a:t>
             </a:fld>
             <a:endParaRPr lang="en-US" dirty="0"/>
           </a:p>
@@ -747,7 +1132,12 @@
             <p:ph type="sldImg"/>
           </p:nvPr>
         </p:nvSpPr>
-        <p:spPr/>
+        <p:spPr>
+          <a:xfrm>
+            <a:off x="685800" y="1143000"/>
+            <a:ext cx="5486400" cy="3086100"/>
+          </a:xfrm>
+        </p:spPr>
       </p:sp>
       <p:sp>
         <p:nvSpPr>
@@ -885,8 +1275,8 @@
           <a:bodyPr rtlCol="0" anchor="ctr"/>
           <a:lstStyle/>
           <a:p>
-            <a:pPr lvl="0" algn="ctr" defTabSz="457200"/>
-            <a:endParaRPr sz="1800" dirty="0">
+            <a:pPr lvl="0" algn="ctr" defTabSz="457206"/>
+            <a:endParaRPr sz="1801" dirty="0">
               <a:solidFill>
                 <a:schemeClr val="lt1"/>
               </a:solidFill>
@@ -960,8 +1350,8 @@
           <a:bodyPr rtlCol="0" anchor="ctr"/>
           <a:lstStyle/>
           <a:p>
-            <a:pPr lvl="0" algn="ctr" defTabSz="457200"/>
-            <a:endParaRPr sz="1800" dirty="0">
+            <a:pPr lvl="0" algn="ctr" defTabSz="457206"/>
+            <a:endParaRPr sz="1801" dirty="0">
               <a:solidFill>
                 <a:schemeClr val="lt1"/>
               </a:solidFill>
@@ -983,7 +1373,7 @@
         </p:nvSpPr>
         <p:spPr>
           <a:xfrm>
-            <a:off x="838200" y="3535216"/>
+            <a:off x="838202" y="3535216"/>
             <a:ext cx="5313136" cy="672353"/>
           </a:xfrm>
           <a:prstGeom prst="rect">
@@ -995,7 +1385,7 @@
           <a:lstStyle>
             <a:lvl1pPr marL="0" indent="0">
               <a:spcBef>
-                <a:spcPts val="280"/>
+                <a:spcPts val="279"/>
               </a:spcBef>
               <a:spcAft>
                 <a:spcPts val="0"/>
@@ -1059,7 +1449,7 @@
         </p:nvSpPr>
         <p:spPr>
           <a:xfrm>
-            <a:off x="838200" y="5508479"/>
+            <a:off x="838202" y="5508480"/>
             <a:ext cx="5313136" cy="134031"/>
           </a:xfrm>
           <a:prstGeom prst="rect">
@@ -1071,7 +1461,7 @@
           <a:lstStyle>
             <a:lvl1pPr marL="0" indent="0">
               <a:spcBef>
-                <a:spcPts val="280"/>
+                <a:spcPts val="279"/>
               </a:spcBef>
               <a:spcAft>
                 <a:spcPts val="0"/>
@@ -1135,7 +1525,7 @@
         </p:nvSpPr>
         <p:spPr>
           <a:xfrm>
-            <a:off x="838201" y="1455425"/>
+            <a:off x="838201" y="1455426"/>
             <a:ext cx="9850663" cy="1867673"/>
           </a:xfrm>
           <a:prstGeom prst="rect">
@@ -1145,7 +1535,7 @@
         <p:txBody>
           <a:bodyPr lIns="0" tIns="0" rIns="0" bIns="0"/>
           <a:lstStyle>
-            <a:lvl1pPr algn="l" defTabSz="914400" rtl="0" eaLnBrk="1" latinLnBrk="0" hangingPunct="1">
+            <a:lvl1pPr algn="l" defTabSz="914411" rtl="0" eaLnBrk="1" latinLnBrk="0" hangingPunct="1">
               <a:lnSpc>
                 <a:spcPct val="70000"/>
               </a:lnSpc>
@@ -1183,7 +1573,7 @@
         </p:nvSpPr>
         <p:spPr>
           <a:xfrm>
-            <a:off x="838200" y="5960343"/>
+            <a:off x="838202" y="5960344"/>
             <a:ext cx="5313136" cy="134031"/>
           </a:xfrm>
           <a:prstGeom prst="rect">
@@ -1195,7 +1585,7 @@
           <a:lstStyle>
             <a:lvl1pPr marL="0" indent="0">
               <a:spcBef>
-                <a:spcPts val="280"/>
+                <a:spcPts val="279"/>
               </a:spcBef>
               <a:spcAft>
                 <a:spcPts val="0"/>
@@ -1260,12 +1650,12 @@
   <p:extLst>
     <p:ext uri="{DCECCB84-F9BA-43D5-87BE-67443E8EF086}">
       <p15:sldGuideLst xmlns:p15="http://schemas.microsoft.com/office/powerpoint/2012/main">
-        <p15:guide id="1" orient="horz" pos="2160">
+        <p15:guide id="1" orient="horz" pos="2160" userDrawn="1">
           <p15:clr>
             <a:srgbClr val="FBAE40"/>
           </p15:clr>
         </p15:guide>
-        <p15:guide id="2" pos="3840">
+        <p15:guide id="2" pos="3840" userDrawn="1">
           <p15:clr>
             <a:srgbClr val="FBAE40"/>
           </p15:clr>
@@ -1349,7 +1739,7 @@
           </a:bodyPr>
           <a:lstStyle/>
           <a:p>
-            <a:endParaRPr sz="1800" dirty="0">
+            <a:endParaRPr sz="1801" dirty="0">
               <a:latin typeface="Arial" panose="020B0604020202020204" pitchFamily="34" charset="0"/>
             </a:endParaRPr>
           </a:p>
@@ -1377,7 +1767,7 @@
         </p:blipFill>
         <p:spPr>
           <a:xfrm>
-            <a:off x="0" y="1"/>
+            <a:off x="0" y="2"/>
             <a:ext cx="12192000" cy="6857999"/>
           </a:xfrm>
           <a:prstGeom prst="rect">
@@ -1436,7 +1826,7 @@
         </p:blipFill>
         <p:spPr>
           <a:xfrm flipH="1">
-            <a:off x="0" y="1"/>
+            <a:off x="0" y="2"/>
             <a:ext cx="12192000" cy="1036319"/>
           </a:xfrm>
           <a:prstGeom prst="rect">
@@ -1454,8 +1844,8 @@
         </p:nvSpPr>
         <p:spPr bwMode="auto">
           <a:xfrm>
-            <a:off x="428263" y="6472275"/>
-            <a:ext cx="484029" cy="196893"/>
+            <a:off x="428263" y="6472276"/>
+            <a:ext cx="484028" cy="196893"/>
           </a:xfrm>
           <a:custGeom>
             <a:avLst/>
@@ -2412,14 +2802,14 @@
           </a:ln>
         </p:spPr>
         <p:txBody>
-          <a:bodyPr vert="horz" wrap="square" lIns="91440" tIns="45720" rIns="91440" bIns="45720" numCol="1" anchor="t" anchorCtr="0" compatLnSpc="1">
+          <a:bodyPr vert="horz" wrap="square" lIns="91440" tIns="45721" rIns="91440" bIns="45721" numCol="1" anchor="t" anchorCtr="0" compatLnSpc="1">
             <a:prstTxWarp prst="textNoShape">
               <a:avLst/>
             </a:prstTxWarp>
           </a:bodyPr>
           <a:lstStyle/>
           <a:p>
-            <a:endParaRPr lang="en-GB" dirty="0"/>
+            <a:endParaRPr lang="en-GB" sz="1801" dirty="0"/>
           </a:p>
         </p:txBody>
       </p:sp>
@@ -2431,7 +2821,7 @@
         </p:nvSpPr>
         <p:spPr>
           <a:xfrm>
-            <a:off x="0" y="1"/>
+            <a:off x="0" y="2"/>
             <a:ext cx="12192000" cy="1036319"/>
           </a:xfrm>
           <a:prstGeom prst="rect">
@@ -2577,7 +2967,7 @@
         </p:nvSpPr>
         <p:spPr>
           <a:xfrm>
-            <a:off x="2709863" y="1435300"/>
+            <a:off x="2709864" y="1435300"/>
             <a:ext cx="8489950" cy="3510000"/>
           </a:xfrm>
         </p:spPr>
@@ -2585,7 +2975,7 @@
           <a:bodyPr anchor="t" anchorCtr="0"/>
           <a:lstStyle>
             <a:lvl1pPr algn="l">
-              <a:defRPr sz="11000" baseline="0">
+              <a:defRPr sz="11001" baseline="0">
                 <a:solidFill>
                   <a:schemeClr val="bg1"/>
                 </a:solidFill>
@@ -2611,7 +3001,7 @@
         </p:nvSpPr>
         <p:spPr bwMode="auto">
           <a:xfrm>
-            <a:off x="516051" y="524433"/>
+            <a:off x="516052" y="524433"/>
             <a:ext cx="1079150" cy="439654"/>
           </a:xfrm>
           <a:custGeom>
@@ -3569,14 +3959,14 @@
           </a:ln>
         </p:spPr>
         <p:txBody>
-          <a:bodyPr vert="horz" wrap="square" lIns="91440" tIns="45720" rIns="91440" bIns="45720" numCol="1" anchor="t" anchorCtr="0" compatLnSpc="1">
+          <a:bodyPr vert="horz" wrap="square" lIns="91440" tIns="45721" rIns="91440" bIns="45721" numCol="1" anchor="t" anchorCtr="0" compatLnSpc="1">
             <a:prstTxWarp prst="textNoShape">
               <a:avLst/>
             </a:prstTxWarp>
           </a:bodyPr>
           <a:lstStyle/>
           <a:p>
-            <a:endParaRPr lang="en-GB" dirty="0"/>
+            <a:endParaRPr lang="en-GB" sz="1801" dirty="0"/>
           </a:p>
         </p:txBody>
       </p:sp>
@@ -3588,8 +3978,8 @@
         </p:nvSpPr>
         <p:spPr>
           <a:xfrm>
-            <a:off x="1" y="1"/>
-            <a:ext cx="132522" cy="6858000"/>
+            <a:off x="0" y="1"/>
+            <a:ext cx="132523" cy="6858000"/>
           </a:xfrm>
           <a:custGeom>
             <a:avLst/>
@@ -3628,7 +4018,7 @@
           </a:bodyPr>
           <a:lstStyle/>
           <a:p>
-            <a:endParaRPr sz="1800" dirty="0">
+            <a:endParaRPr sz="1801" dirty="0">
               <a:latin typeface="Arial" panose="020B0604020202020204" pitchFamily="34" charset="0"/>
             </a:endParaRPr>
           </a:p>
@@ -3745,8 +4135,8 @@
         </p:nvSpPr>
         <p:spPr>
           <a:xfrm>
-            <a:off x="0" y="1"/>
-            <a:ext cx="1587731" cy="6858000"/>
+            <a:off x="1" y="1"/>
+            <a:ext cx="1587732" cy="6858000"/>
           </a:xfrm>
           <a:custGeom>
             <a:avLst/>
@@ -3785,7 +4175,7 @@
           </a:bodyPr>
           <a:lstStyle/>
           <a:p>
-            <a:endParaRPr sz="1800" dirty="0">
+            <a:endParaRPr sz="1801" dirty="0">
               <a:latin typeface="Arial" panose="020B0604020202020204" pitchFamily="34" charset="0"/>
             </a:endParaRPr>
           </a:p>
@@ -4759,14 +5149,14 @@
           </a:ln>
         </p:spPr>
         <p:txBody>
-          <a:bodyPr vert="horz" wrap="square" lIns="91440" tIns="45720" rIns="91440" bIns="45720" numCol="1" anchor="t" anchorCtr="0" compatLnSpc="1">
+          <a:bodyPr vert="horz" wrap="square" lIns="91440" tIns="45721" rIns="91440" bIns="45721" numCol="1" anchor="t" anchorCtr="0" compatLnSpc="1">
             <a:prstTxWarp prst="textNoShape">
               <a:avLst/>
             </a:prstTxWarp>
           </a:bodyPr>
           <a:lstStyle/>
           <a:p>
-            <a:endParaRPr lang="en-GB" dirty="0"/>
+            <a:endParaRPr lang="en-GB" sz="1801" dirty="0"/>
           </a:p>
         </p:txBody>
       </p:sp>
@@ -4822,7 +5212,7 @@
                 </a:solidFill>
               </a:defRPr>
             </a:lvl3pPr>
-            <a:lvl4pPr marL="345600" indent="0">
+            <a:lvl4pPr marL="345604" indent="0">
               <a:buFontTx/>
               <a:buNone/>
               <a:defRPr sz="900" b="0">
@@ -4833,7 +5223,7 @@
                 </a:solidFill>
               </a:defRPr>
             </a:lvl4pPr>
-            <a:lvl5pPr marL="540000" indent="0">
+            <a:lvl5pPr marL="540007" indent="0">
               <a:buFontTx/>
               <a:buNone/>
               <a:defRPr sz="900" b="0">
@@ -4873,7 +5263,7 @@
         </p:nvSpPr>
         <p:spPr>
           <a:xfrm>
-            <a:off x="2729163" y="5711030"/>
+            <a:off x="2729163" y="5711031"/>
             <a:ext cx="7851751" cy="169277"/>
           </a:xfrm>
         </p:spPr>
@@ -4915,7 +5305,7 @@
                 </a:solidFill>
               </a:defRPr>
             </a:lvl3pPr>
-            <a:lvl4pPr marL="345600" indent="0">
+            <a:lvl4pPr marL="345604" indent="0">
               <a:buFontTx/>
               <a:buNone/>
               <a:defRPr sz="900" b="0">
@@ -4926,7 +5316,7 @@
                 </a:solidFill>
               </a:defRPr>
             </a:lvl4pPr>
-            <a:lvl5pPr marL="540000" indent="0">
+            <a:lvl5pPr marL="540007" indent="0">
               <a:buFontTx/>
               <a:buNone/>
               <a:defRPr sz="900" b="0">
@@ -4999,7 +5389,7 @@
                 </a:solidFill>
               </a:defRPr>
             </a:lvl3pPr>
-            <a:lvl4pPr marL="345600" indent="0">
+            <a:lvl4pPr marL="345604" indent="0">
               <a:buFontTx/>
               <a:buNone/>
               <a:defRPr sz="900" b="0">
@@ -5010,7 +5400,7 @@
                 </a:solidFill>
               </a:defRPr>
             </a:lvl4pPr>
-            <a:lvl5pPr marL="540000" indent="0">
+            <a:lvl5pPr marL="540007" indent="0">
               <a:buFontTx/>
               <a:buNone/>
               <a:defRPr sz="900" b="0">
@@ -5051,7 +5441,7 @@
         <p:spPr>
           <a:xfrm>
             <a:off x="2729163" y="3480007"/>
-            <a:ext cx="2411738" cy="119064"/>
+            <a:ext cx="2411739" cy="119064"/>
           </a:xfrm>
         </p:spPr>
         <p:txBody>
@@ -5088,7 +5478,7 @@
                 </a:solidFill>
               </a:defRPr>
             </a:lvl3pPr>
-            <a:lvl4pPr marL="345600" indent="0">
+            <a:lvl4pPr marL="345604" indent="0">
               <a:buFontTx/>
               <a:buNone/>
               <a:defRPr sz="900" b="0">
@@ -5099,7 +5489,7 @@
                 </a:solidFill>
               </a:defRPr>
             </a:lvl4pPr>
-            <a:lvl5pPr marL="540000" indent="0">
+            <a:lvl5pPr marL="540007" indent="0">
               <a:buFontTx/>
               <a:buNone/>
               <a:defRPr sz="900" b="0">
@@ -5132,7 +5522,7 @@
         </p:nvSpPr>
         <p:spPr>
           <a:xfrm>
-            <a:off x="5920501" y="3480007"/>
+            <a:off x="5920502" y="3480007"/>
             <a:ext cx="2361268" cy="119064"/>
           </a:xfrm>
         </p:spPr>
@@ -5170,7 +5560,7 @@
                 </a:solidFill>
               </a:defRPr>
             </a:lvl3pPr>
-            <a:lvl4pPr marL="345600" indent="0">
+            <a:lvl4pPr marL="345604" indent="0">
               <a:buFontTx/>
               <a:buNone/>
               <a:defRPr sz="900" b="0">
@@ -5181,7 +5571,7 @@
                 </a:solidFill>
               </a:defRPr>
             </a:lvl4pPr>
-            <a:lvl5pPr marL="540000" indent="0">
+            <a:lvl5pPr marL="540007" indent="0">
               <a:buFontTx/>
               <a:buNone/>
               <a:defRPr sz="900" b="0">
@@ -5224,7 +5614,7 @@
         </p:blipFill>
         <p:spPr>
           <a:xfrm>
-            <a:off x="5920501" y="2974450"/>
+            <a:off x="5920502" y="2974451"/>
             <a:ext cx="1325883" cy="381001"/>
           </a:xfrm>
           <a:prstGeom prst="rect">
@@ -5254,7 +5644,7 @@
         </p:blipFill>
         <p:spPr>
           <a:xfrm>
-            <a:off x="2729163" y="2974450"/>
+            <a:off x="2729164" y="2974451"/>
             <a:ext cx="2523749" cy="384049"/>
           </a:xfrm>
           <a:prstGeom prst="rect">
@@ -5271,7 +5661,7 @@
         <p:spPr>
           <a:xfrm>
             <a:off x="2594343" y="6637578"/>
-            <a:ext cx="6953693" cy="135362"/>
+            <a:ext cx="6953692" cy="135362"/>
           </a:xfrm>
           <a:prstGeom prst="rect">
             <a:avLst/>
@@ -5284,7 +5674,7 @@
           </a:bodyPr>
           <a:lstStyle/>
           <a:p>
-            <a:pPr marL="0" marR="0" lvl="0" indent="0" algn="ctr" defTabSz="914400" rtl="0" eaLnBrk="1" fontAlgn="auto" latinLnBrk="0" hangingPunct="1">
+            <a:pPr marL="0" marR="0" lvl="0" indent="0" algn="ctr" defTabSz="914411" rtl="0" eaLnBrk="1" fontAlgn="auto" latinLnBrk="0" hangingPunct="1">
               <a:lnSpc>
                 <a:spcPct val="100000"/>
               </a:lnSpc>
@@ -5302,7 +5692,7 @@
               <a:defRPr/>
             </a:pPr>
             <a:r>
-              <a:rPr lang="en-GB" sz="600" b="1" kern="1200" noProof="0" dirty="0">
+              <a:rPr lang="en-GB" sz="601" b="1" kern="1200" noProof="0" dirty="0">
                 <a:solidFill>
                   <a:schemeClr val="tx1"/>
                 </a:solidFill>
@@ -5395,8 +5785,8 @@
         </p:nvSpPr>
         <p:spPr>
           <a:xfrm>
-            <a:off x="1003201" y="1331360"/>
-            <a:ext cx="10194470" cy="4545566"/>
+            <a:off x="1003203" y="1331360"/>
+            <a:ext cx="10194469" cy="4545566"/>
           </a:xfrm>
           <a:prstGeom prst="rect">
             <a:avLst/>
@@ -5455,7 +5845,7 @@
         </p:nvSpPr>
         <p:spPr>
           <a:xfrm>
-            <a:off x="10739438" y="6472275"/>
+            <a:off x="10739439" y="6472275"/>
             <a:ext cx="449655" cy="149412"/>
           </a:xfrm>
           <a:prstGeom prst="rect">
@@ -5563,7 +5953,7 @@
           <a:p>
             <a:pPr algn="r"/>
             <a:fld id="{86CB4B4D-7CA3-9044-876B-883B54F8677D}" type="slidenum">
-              <a:rPr lang="en-US" sz="1000" smtClean="0">
+              <a:rPr lang="en-US" sz="1001" smtClean="0">
                 <a:solidFill>
                   <a:schemeClr val="tx2"/>
                 </a:solidFill>
@@ -5574,7 +5964,7 @@
               <a:pPr algn="r"/>
               <a:t>‹#›</a:t>
             </a:fld>
-            <a:endParaRPr lang="en-US" sz="1000" dirty="0">
+            <a:endParaRPr lang="en-US" sz="1001" dirty="0">
               <a:solidFill>
                 <a:schemeClr val="tx2"/>
               </a:solidFill>
@@ -5597,7 +5987,7 @@
         </p:nvSpPr>
         <p:spPr>
           <a:xfrm>
-            <a:off x="2234934" y="6602901"/>
+            <a:off x="2234933" y="6602901"/>
             <a:ext cx="7756800" cy="370800"/>
           </a:xfrm>
           <a:prstGeom prst="rect">
@@ -5611,7 +6001,7 @@
           </a:bodyPr>
           <a:lstStyle/>
           <a:p>
-            <a:pPr marL="0" marR="0" lvl="0" indent="0" algn="ctr" defTabSz="914400" rtl="0" eaLnBrk="1" fontAlgn="auto" latinLnBrk="0" hangingPunct="1">
+            <a:pPr marL="0" marR="0" lvl="0" indent="0" algn="ctr" defTabSz="914411" rtl="0" eaLnBrk="1" fontAlgn="auto" latinLnBrk="0" hangingPunct="1">
               <a:lnSpc>
                 <a:spcPct val="100000"/>
               </a:lnSpc>
@@ -5629,7 +6019,7 @@
               <a:defRPr/>
             </a:pPr>
             <a:r>
-              <a:rPr lang="en-US" sz="600" kern="1200" noProof="0" dirty="0">
+              <a:rPr lang="en-US" sz="601" kern="1200" noProof="0" dirty="0">
                 <a:solidFill>
                   <a:schemeClr val="bg1">
                     <a:lumMod val="65000"/>
@@ -5661,7 +6051,7 @@
   </p:sldLayoutIdLst>
   <p:txStyles>
     <p:titleStyle>
-      <a:lvl1pPr algn="l" defTabSz="914400" rtl="0" eaLnBrk="1" latinLnBrk="0" hangingPunct="1">
+      <a:lvl1pPr algn="l" defTabSz="914411" rtl="0" eaLnBrk="1" latinLnBrk="0" hangingPunct="1">
         <a:lnSpc>
           <a:spcPct val="70000"/>
         </a:lnSpc>
@@ -5669,7 +6059,7 @@
           <a:spcPct val="0"/>
         </a:spcBef>
         <a:buNone/>
-        <a:defRPr sz="5400" kern="1200">
+        <a:defRPr sz="5401" kern="1200">
           <a:solidFill>
             <a:schemeClr val="tx2"/>
           </a:solidFill>
@@ -5680,7 +6070,7 @@
       </a:lvl1pPr>
     </p:titleStyle>
     <p:bodyStyle>
-      <a:lvl1pPr marL="0" indent="0" algn="l" defTabSz="914400" rtl="0" eaLnBrk="1" latinLnBrk="0" hangingPunct="1">
+      <a:lvl1pPr marL="0" indent="0" algn="l" defTabSz="914411" rtl="0" eaLnBrk="1" latinLnBrk="0" hangingPunct="1">
         <a:lnSpc>
           <a:spcPct val="100000"/>
         </a:lnSpc>
@@ -5688,7 +6078,7 @@
           <a:spcPts val="0"/>
         </a:spcBef>
         <a:spcAft>
-          <a:spcPts val="600"/>
+          <a:spcPts val="601"/>
         </a:spcAft>
         <a:buFontTx/>
         <a:buNone/>
@@ -5701,7 +6091,7 @@
           <a:cs typeface="+mn-cs"/>
         </a:defRPr>
       </a:lvl1pPr>
-      <a:lvl2pPr marL="0" indent="0" algn="l" defTabSz="914400" rtl="0" eaLnBrk="1" latinLnBrk="0" hangingPunct="1">
+      <a:lvl2pPr marL="0" indent="0" algn="l" defTabSz="914411" rtl="0" eaLnBrk="1" latinLnBrk="0" hangingPunct="1">
         <a:lnSpc>
           <a:spcPct val="100000"/>
         </a:lnSpc>
@@ -5709,7 +6099,7 @@
           <a:spcPts val="0"/>
         </a:spcBef>
         <a:spcAft>
-          <a:spcPts val="600"/>
+          <a:spcPts val="601"/>
         </a:spcAft>
         <a:buFontTx/>
         <a:buNone/>
@@ -5722,7 +6112,7 @@
           <a:cs typeface="+mn-cs"/>
         </a:defRPr>
       </a:lvl2pPr>
-      <a:lvl3pPr marL="284400" indent="-284400" algn="l" defTabSz="914400" rtl="0" eaLnBrk="1" latinLnBrk="0" hangingPunct="1">
+      <a:lvl3pPr marL="284404" indent="-284404" algn="l" defTabSz="914411" rtl="0" eaLnBrk="1" latinLnBrk="0" hangingPunct="1">
         <a:lnSpc>
           <a:spcPct val="100000"/>
         </a:lnSpc>
@@ -5730,7 +6120,7 @@
           <a:spcPts val="0"/>
         </a:spcBef>
         <a:spcAft>
-          <a:spcPts val="600"/>
+          <a:spcPts val="601"/>
         </a:spcAft>
         <a:buClr>
           <a:schemeClr val="tx2"/>
@@ -5746,7 +6136,7 @@
           <a:cs typeface="+mn-cs"/>
         </a:defRPr>
       </a:lvl3pPr>
-      <a:lvl4pPr marL="576000" indent="-230400" algn="l" defTabSz="914400" rtl="0" eaLnBrk="1" latinLnBrk="0" hangingPunct="1">
+      <a:lvl4pPr marL="576007" indent="-230403" algn="l" defTabSz="914411" rtl="0" eaLnBrk="1" latinLnBrk="0" hangingPunct="1">
         <a:lnSpc>
           <a:spcPct val="100000"/>
         </a:lnSpc>
@@ -5754,7 +6144,7 @@
           <a:spcPts val="0"/>
         </a:spcBef>
         <a:spcAft>
-          <a:spcPts val="600"/>
+          <a:spcPts val="601"/>
         </a:spcAft>
         <a:buClr>
           <a:schemeClr val="tx2"/>
@@ -5770,7 +6160,7 @@
           <a:cs typeface="+mn-cs"/>
         </a:defRPr>
       </a:lvl4pPr>
-      <a:lvl5pPr marL="824400" indent="-284400" algn="l" defTabSz="914400" rtl="0" eaLnBrk="1" latinLnBrk="0" hangingPunct="1">
+      <a:lvl5pPr marL="824410" indent="-284404" algn="l" defTabSz="914411" rtl="0" eaLnBrk="1" latinLnBrk="0" hangingPunct="1">
         <a:lnSpc>
           <a:spcPct val="100000"/>
         </a:lnSpc>
@@ -5778,7 +6168,7 @@
           <a:spcPts val="0"/>
         </a:spcBef>
         <a:spcAft>
-          <a:spcPts val="600"/>
+          <a:spcPts val="601"/>
         </a:spcAft>
         <a:buClr>
           <a:schemeClr val="tx2"/>
@@ -5794,7 +6184,7 @@
           <a:cs typeface="+mn-cs"/>
         </a:defRPr>
       </a:lvl5pPr>
-      <a:lvl6pPr marL="1098000" indent="-230400" algn="l" defTabSz="914400" rtl="0" eaLnBrk="1" latinLnBrk="0" hangingPunct="1">
+      <a:lvl6pPr marL="1098014" indent="-230403" algn="l" defTabSz="914411" rtl="0" eaLnBrk="1" latinLnBrk="0" hangingPunct="1">
         <a:lnSpc>
           <a:spcPct val="100000"/>
         </a:lnSpc>
@@ -5802,7 +6192,7 @@
           <a:spcPts val="0"/>
         </a:spcBef>
         <a:spcAft>
-          <a:spcPts val="600"/>
+          <a:spcPts val="601"/>
         </a:spcAft>
         <a:buClr>
           <a:schemeClr val="tx2"/>
@@ -5818,7 +6208,7 @@
           <a:cs typeface="+mn-cs"/>
         </a:defRPr>
       </a:lvl6pPr>
-      <a:lvl7pPr marL="1371600" indent="-284400" algn="l" defTabSz="914400" rtl="0" eaLnBrk="1" latinLnBrk="0" hangingPunct="1">
+      <a:lvl7pPr marL="1371617" indent="-284404" algn="l" defTabSz="914411" rtl="0" eaLnBrk="1" latinLnBrk="0" hangingPunct="1">
         <a:lnSpc>
           <a:spcPct val="100000"/>
         </a:lnSpc>
@@ -5826,7 +6216,7 @@
           <a:spcPts val="0"/>
         </a:spcBef>
         <a:spcAft>
-          <a:spcPts val="600"/>
+          <a:spcPts val="601"/>
         </a:spcAft>
         <a:buClr>
           <a:schemeClr val="tx2"/>
@@ -5842,7 +6232,7 @@
           <a:cs typeface="+mn-cs"/>
         </a:defRPr>
       </a:lvl7pPr>
-      <a:lvl8pPr marL="1645200" indent="-228600" algn="l" defTabSz="914400" rtl="0" eaLnBrk="1" latinLnBrk="0" hangingPunct="1">
+      <a:lvl8pPr marL="1645221" indent="-228604" algn="l" defTabSz="914411" rtl="0" eaLnBrk="1" latinLnBrk="0" hangingPunct="1">
         <a:lnSpc>
           <a:spcPct val="100000"/>
         </a:lnSpc>
@@ -5850,7 +6240,7 @@
           <a:spcPts val="0"/>
         </a:spcBef>
         <a:spcAft>
-          <a:spcPts val="600"/>
+          <a:spcPts val="601"/>
         </a:spcAft>
         <a:buClr>
           <a:schemeClr val="tx2"/>
@@ -5866,7 +6256,7 @@
           <a:cs typeface="+mn-cs"/>
         </a:defRPr>
       </a:lvl8pPr>
-      <a:lvl9pPr marL="3886200" indent="-228600" algn="l" defTabSz="914400" rtl="0" eaLnBrk="1" latinLnBrk="0" hangingPunct="1">
+      <a:lvl9pPr marL="3886249" indent="-228604" algn="l" defTabSz="914411" rtl="0" eaLnBrk="1" latinLnBrk="0" hangingPunct="1">
         <a:lnSpc>
           <a:spcPct val="90000"/>
         </a:lnSpc>
@@ -5875,7 +6265,7 @@
         </a:spcBef>
         <a:buFont typeface="Arial" panose="020B0604020202020204" pitchFamily="34" charset="0"/>
         <a:buChar char="•"/>
-        <a:defRPr sz="1800" kern="1200">
+        <a:defRPr sz="1801" kern="1200">
           <a:solidFill>
             <a:schemeClr val="tx1"/>
           </a:solidFill>
@@ -5889,8 +6279,8 @@
       <a:defPPr>
         <a:defRPr lang="en-US"/>
       </a:defPPr>
-      <a:lvl1pPr marL="0" algn="l" defTabSz="914400" rtl="0" eaLnBrk="1" latinLnBrk="0" hangingPunct="1">
-        <a:defRPr sz="1800" kern="1200">
+      <a:lvl1pPr marL="0" algn="l" defTabSz="914411" rtl="0" eaLnBrk="1" latinLnBrk="0" hangingPunct="1">
+        <a:defRPr sz="1801" kern="1200">
           <a:solidFill>
             <a:schemeClr val="tx1"/>
           </a:solidFill>
@@ -5899,8 +6289,8 @@
           <a:cs typeface="+mn-cs"/>
         </a:defRPr>
       </a:lvl1pPr>
-      <a:lvl2pPr marL="457200" algn="l" defTabSz="914400" rtl="0" eaLnBrk="1" latinLnBrk="0" hangingPunct="1">
-        <a:defRPr sz="1800" kern="1200">
+      <a:lvl2pPr marL="457206" algn="l" defTabSz="914411" rtl="0" eaLnBrk="1" latinLnBrk="0" hangingPunct="1">
+        <a:defRPr sz="1801" kern="1200">
           <a:solidFill>
             <a:schemeClr val="tx1"/>
           </a:solidFill>
@@ -5909,8 +6299,8 @@
           <a:cs typeface="+mn-cs"/>
         </a:defRPr>
       </a:lvl2pPr>
-      <a:lvl3pPr marL="914400" algn="l" defTabSz="914400" rtl="0" eaLnBrk="1" latinLnBrk="0" hangingPunct="1">
-        <a:defRPr sz="1800" kern="1200">
+      <a:lvl3pPr marL="914411" algn="l" defTabSz="914411" rtl="0" eaLnBrk="1" latinLnBrk="0" hangingPunct="1">
+        <a:defRPr sz="1801" kern="1200">
           <a:solidFill>
             <a:schemeClr val="tx1"/>
           </a:solidFill>
@@ -5919,8 +6309,8 @@
           <a:cs typeface="+mn-cs"/>
         </a:defRPr>
       </a:lvl3pPr>
-      <a:lvl4pPr marL="1371600" algn="l" defTabSz="914400" rtl="0" eaLnBrk="1" latinLnBrk="0" hangingPunct="1">
-        <a:defRPr sz="1800" kern="1200">
+      <a:lvl4pPr marL="1371617" algn="l" defTabSz="914411" rtl="0" eaLnBrk="1" latinLnBrk="0" hangingPunct="1">
+        <a:defRPr sz="1801" kern="1200">
           <a:solidFill>
             <a:schemeClr val="tx1"/>
           </a:solidFill>
@@ -5929,8 +6319,8 @@
           <a:cs typeface="+mn-cs"/>
         </a:defRPr>
       </a:lvl4pPr>
-      <a:lvl5pPr marL="1828800" algn="l" defTabSz="914400" rtl="0" eaLnBrk="1" latinLnBrk="0" hangingPunct="1">
-        <a:defRPr sz="1800" kern="1200">
+      <a:lvl5pPr marL="1828823" algn="l" defTabSz="914411" rtl="0" eaLnBrk="1" latinLnBrk="0" hangingPunct="1">
+        <a:defRPr sz="1801" kern="1200">
           <a:solidFill>
             <a:schemeClr val="tx1"/>
           </a:solidFill>
@@ -5939,8 +6329,8 @@
           <a:cs typeface="+mn-cs"/>
         </a:defRPr>
       </a:lvl5pPr>
-      <a:lvl6pPr marL="2286000" algn="l" defTabSz="914400" rtl="0" eaLnBrk="1" latinLnBrk="0" hangingPunct="1">
-        <a:defRPr sz="1800" kern="1200">
+      <a:lvl6pPr marL="2286029" algn="l" defTabSz="914411" rtl="0" eaLnBrk="1" latinLnBrk="0" hangingPunct="1">
+        <a:defRPr sz="1801" kern="1200">
           <a:solidFill>
             <a:schemeClr val="tx1"/>
           </a:solidFill>
@@ -5949,8 +6339,8 @@
           <a:cs typeface="+mn-cs"/>
         </a:defRPr>
       </a:lvl6pPr>
-      <a:lvl7pPr marL="2743200" algn="l" defTabSz="914400" rtl="0" eaLnBrk="1" latinLnBrk="0" hangingPunct="1">
-        <a:defRPr sz="1800" kern="1200">
+      <a:lvl7pPr marL="2743234" algn="l" defTabSz="914411" rtl="0" eaLnBrk="1" latinLnBrk="0" hangingPunct="1">
+        <a:defRPr sz="1801" kern="1200">
           <a:solidFill>
             <a:schemeClr val="tx1"/>
           </a:solidFill>
@@ -5959,8 +6349,8 @@
           <a:cs typeface="+mn-cs"/>
         </a:defRPr>
       </a:lvl7pPr>
-      <a:lvl8pPr marL="3200400" algn="l" defTabSz="914400" rtl="0" eaLnBrk="1" latinLnBrk="0" hangingPunct="1">
-        <a:defRPr sz="1800" kern="1200">
+      <a:lvl8pPr marL="3200440" algn="l" defTabSz="914411" rtl="0" eaLnBrk="1" latinLnBrk="0" hangingPunct="1">
+        <a:defRPr sz="1801" kern="1200">
           <a:solidFill>
             <a:schemeClr val="tx1"/>
           </a:solidFill>
@@ -5969,8 +6359,8 @@
           <a:cs typeface="+mn-cs"/>
         </a:defRPr>
       </a:lvl8pPr>
-      <a:lvl9pPr marL="3657600" algn="l" defTabSz="914400" rtl="0" eaLnBrk="1" latinLnBrk="0" hangingPunct="1">
-        <a:defRPr sz="1800" kern="1200">
+      <a:lvl9pPr marL="3657646" algn="l" defTabSz="914411" rtl="0" eaLnBrk="1" latinLnBrk="0" hangingPunct="1">
+        <a:defRPr sz="1801" kern="1200">
           <a:solidFill>
             <a:schemeClr val="tx1"/>
           </a:solidFill>
@@ -5989,12 +6379,12 @@
             <a:srgbClr val="F26B43"/>
           </p15:clr>
         </p15:guide>
-        <p15:guide id="2" pos="627" userDrawn="1">
+        <p15:guide id="2" pos="628" userDrawn="1">
           <p15:clr>
             <a:srgbClr val="F26B43"/>
           </p15:clr>
         </p15:guide>
-        <p15:guide id="3" pos="7055" userDrawn="1">
+        <p15:guide id="3" pos="7054" userDrawn="1">
           <p15:clr>
             <a:srgbClr val="F26B43"/>
           </p15:clr>
@@ -6043,8 +6433,8 @@
         </p:nvSpPr>
         <p:spPr bwMode="auto">
           <a:xfrm flipH="1">
-            <a:off x="2375214" y="1126124"/>
-            <a:ext cx="0" cy="5239165"/>
+            <a:off x="2375214" y="1126126"/>
+            <a:ext cx="0" cy="5239164"/>
           </a:xfrm>
           <a:prstGeom prst="line">
             <a:avLst/>
@@ -6097,7 +6487,7 @@
         </p:nvSpPr>
         <p:spPr bwMode="gray">
           <a:xfrm>
-            <a:off x="2482637" y="1107029"/>
+            <a:off x="2482639" y="1107030"/>
             <a:ext cx="9592713" cy="5487847"/>
           </a:xfrm>
           <a:prstGeom prst="rect">
@@ -6294,19 +6684,19 @@
             </a:lvl9pPr>
           </a:lstStyle>
           <a:p>
-            <a:pPr marL="0" lvl="2" indent="0" algn="just" defTabSz="378740">
+            <a:pPr marL="0" lvl="2" indent="0" algn="just" defTabSz="378744">
               <a:spcBef>
                 <a:spcPts val="0"/>
               </a:spcBef>
               <a:spcAft>
-                <a:spcPts val="600"/>
+                <a:spcPts val="601"/>
               </a:spcAft>
               <a:buSzPct val="80000"/>
               <a:buNone/>
               <a:defRPr/>
             </a:pPr>
             <a:r>
-              <a:rPr lang="en-US" b="1" dirty="0">
+              <a:rPr lang="en-US" sz="1001" b="1" dirty="0">
                 <a:solidFill>
                   <a:srgbClr val="00338D"/>
                 </a:solidFill>
@@ -6315,105 +6705,80 @@
               </a:rPr>
               <a:t>Background</a:t>
             </a:r>
-            <a:endParaRPr lang="en-US" b="1" dirty="0">
+            <a:endParaRPr lang="en-US" sz="1001" b="1" dirty="0">
               <a:latin typeface="+mn-lt"/>
             </a:endParaRPr>
           </a:p>
           <a:p>
-            <a:pPr marL="0" lvl="2" indent="0" defTabSz="378740">
+            <a:pPr marL="0" lvl="2" indent="0" defTabSz="378744">
               <a:spcBef>
                 <a:spcPts val="0"/>
               </a:spcBef>
               <a:spcAft>
-                <a:spcPts val="600"/>
+                <a:spcPts val="601"/>
               </a:spcAft>
               <a:buSzPct val="80000"/>
               <a:buNone/>
               <a:defRPr/>
             </a:pPr>
             <a:r>
-              <a:rPr lang="en-US" dirty="0">
+              <a:rPr lang="en-US" sz="1001" dirty="0">
                 <a:latin typeface="Univers for KPMG" panose="020B0603020202020204"/>
               </a:rPr>
-              <a:t>Rishabh is</a:t>
-            </a:r>
-            <a:r>
-              <a:rPr lang="en-US" b="0" i="0" dirty="0">
-                <a:effectLst/>
-                <a:latin typeface="Univers for KPMG" panose="020B0603020202020204"/>
-              </a:rPr>
-              <a:t> a data analyst with two years of experience in </a:t>
-            </a:r>
-            <a:r>
-              <a:rPr lang="en-US" dirty="0">
+              <a:t>Rishabh is a data analyst with two years of experience in </a:t>
+            </a:r>
+            <a:r>
+              <a:rPr lang="en-US" sz="1001" dirty="0">
                 <a:latin typeface="Univers for KPMG" panose="020B0603020202020204"/>
                 <a:cs typeface="Calibri" panose="020F0502020204030204" pitchFamily="34" charset="0"/>
               </a:rPr>
               <a:t>Data Analytics enabled digital transformation to analyze and creatively interpret data to provide organizations with effective solutions and assist with decision making. He </a:t>
             </a:r>
             <a:r>
-              <a:rPr lang="en-US" b="0" i="0" dirty="0">
-                <a:effectLst/>
+              <a:rPr lang="en-US" sz="1001" dirty="0">
                 <a:latin typeface="Univers for KPMG" panose="020B0603020202020204"/>
               </a:rPr>
-              <a:t>had the opportunity to work with clients from diverse sectors, including Manufacturing, Healthcare, Telecom, Banking, and Retail. </a:t>
-            </a:r>
-            <a:r>
-              <a:rPr lang="en-US" dirty="0">
-                <a:latin typeface="Univers for KPMG" panose="020B0603020202020204"/>
-              </a:rPr>
-              <a:t>His</a:t>
-            </a:r>
-            <a:r>
-              <a:rPr lang="en-US" b="0" i="0" dirty="0">
-                <a:effectLst/>
-                <a:latin typeface="Univers for KPMG" panose="020B0603020202020204"/>
-              </a:rPr>
-              <a:t> expertise lies in utilizing technologies such as Python and SQL databases like MySQL, Postgres, and </a:t>
-            </a:r>
-            <a:r>
-              <a:rPr lang="en-US" b="0" i="0" dirty="0" err="1">
-                <a:effectLst/>
+              <a:t>had the opportunity to work with clients from diverse sectors, including Manufacturing, Healthcare, Telecom, Banking, and Retail. His expertise lies in utilizing technologies such as Python and SQL databases like MySQL, Postgres, and </a:t>
+            </a:r>
+            <a:r>
+              <a:rPr lang="en-US" sz="1001" dirty="0" err="1">
                 <a:latin typeface="Univers for KPMG" panose="020B0603020202020204"/>
               </a:rPr>
               <a:t>ClickhouseDB</a:t>
             </a:r>
             <a:r>
-              <a:rPr lang="en-US" b="0" i="0" dirty="0">
-                <a:effectLst/>
+              <a:rPr lang="en-US" sz="1001" dirty="0">
                 <a:latin typeface="Univers for KPMG" panose="020B0603020202020204"/>
               </a:rPr>
               <a:t>, as well as visualization tools like </a:t>
             </a:r>
             <a:r>
-              <a:rPr lang="en-US" b="0" i="0" dirty="0" err="1">
-                <a:effectLst/>
+              <a:rPr lang="en-US" sz="1001" dirty="0" err="1">
                 <a:latin typeface="Univers for KPMG" panose="020B0603020202020204"/>
               </a:rPr>
               <a:t>PowerBI</a:t>
             </a:r>
             <a:r>
-              <a:rPr lang="en-US" b="0" i="0" dirty="0">
-                <a:effectLst/>
+              <a:rPr lang="en-US" sz="1001" dirty="0">
                 <a:latin typeface="Univers for KPMG" panose="020B0603020202020204"/>
               </a:rPr>
               <a:t> and Apache Superset. </a:t>
             </a:r>
           </a:p>
           <a:p>
-            <a:pPr marL="0" lvl="2" indent="0" algn="just" defTabSz="378740">
+            <a:pPr marL="0" lvl="2" indent="0" algn="just" defTabSz="378744">
               <a:spcBef>
                 <a:spcPts val="0"/>
               </a:spcBef>
               <a:spcAft>
-                <a:spcPts val="600"/>
+                <a:spcPts val="601"/>
               </a:spcAft>
               <a:buSzPct val="80000"/>
               <a:buNone/>
               <a:defRPr/>
             </a:pPr>
             <a:r>
-              <a:rPr lang="en-US" b="1" dirty="0">
+              <a:rPr lang="en-US" sz="1001" b="1" dirty="0">
                 <a:solidFill>
                   <a:srgbClr val="00338D"/>
                 </a:solidFill>
@@ -6424,19 +6789,19 @@
             </a:r>
           </a:p>
           <a:p>
-            <a:pPr marL="177800" lvl="3" indent="0" defTabSz="378740" fontAlgn="b">
+            <a:pPr marL="177803" lvl="3" indent="0" defTabSz="378744" fontAlgn="b">
               <a:spcBef>
-                <a:spcPts val="200"/>
+                <a:spcPts val="201"/>
               </a:spcBef>
               <a:spcAft>
-                <a:spcPts val="200"/>
+                <a:spcPts val="201"/>
               </a:spcAft>
               <a:buSzPct val="80000"/>
               <a:buNone/>
               <a:defRPr/>
             </a:pPr>
             <a:r>
-              <a:rPr lang="en-US" b="1" dirty="0">
+              <a:rPr lang="en-US" sz="1001" b="1" dirty="0">
                 <a:solidFill>
                   <a:srgbClr val="000000"/>
                 </a:solidFill>
@@ -6446,7 +6811,7 @@
               <a:t>Product Reporting using Apache Superset – </a:t>
             </a:r>
             <a:r>
-              <a:rPr lang="en-US" b="1" dirty="0" err="1">
+              <a:rPr lang="en-US" sz="1001" b="1" dirty="0" err="1">
                 <a:solidFill>
                   <a:srgbClr val="000000"/>
                 </a:solidFill>
@@ -6456,7 +6821,7 @@
               <a:t>Tanla</a:t>
             </a:r>
             <a:r>
-              <a:rPr lang="en-US" b="1" dirty="0">
+              <a:rPr lang="en-US" sz="1001" b="1" dirty="0">
                 <a:solidFill>
                   <a:srgbClr val="000000"/>
                 </a:solidFill>
@@ -6467,12 +6832,12 @@
             </a:r>
           </a:p>
           <a:p>
-            <a:pPr lvl="4" defTabSz="378740" fontAlgn="b">
+            <a:pPr lvl="4" defTabSz="378744" fontAlgn="b">
               <a:spcBef>
                 <a:spcPts val="0"/>
               </a:spcBef>
               <a:spcAft>
-                <a:spcPts val="200"/>
+                <a:spcPts val="201"/>
               </a:spcAft>
               <a:buSzPct val="80000"/>
               <a:buFont typeface="Arial" panose="020B0604020202020204" pitchFamily="34" charset="0"/>
@@ -6480,7 +6845,7 @@
               <a:defRPr/>
             </a:pPr>
             <a:r>
-              <a:rPr lang="en-US" dirty="0">
+              <a:rPr lang="en-US" sz="1001" dirty="0">
                 <a:solidFill>
                   <a:srgbClr val="000000"/>
                 </a:solidFill>
@@ -6490,7 +6855,7 @@
               <a:t>Worked with industry leading </a:t>
             </a:r>
             <a:r>
-              <a:rPr lang="en-US" dirty="0" err="1">
+              <a:rPr lang="en-US" sz="1001" dirty="0" err="1">
                 <a:solidFill>
                   <a:srgbClr val="000000"/>
                 </a:solidFill>
@@ -6500,7 +6865,7 @@
               <a:t>CPaaS</a:t>
             </a:r>
             <a:r>
-              <a:rPr lang="en-US" dirty="0">
+              <a:rPr lang="en-US" sz="1001" dirty="0">
                 <a:solidFill>
                   <a:srgbClr val="000000"/>
                 </a:solidFill>
@@ -6511,12 +6876,12 @@
             </a:r>
           </a:p>
           <a:p>
-            <a:pPr lvl="4" defTabSz="378740" fontAlgn="b">
+            <a:pPr lvl="4" defTabSz="378744" fontAlgn="b">
               <a:spcBef>
                 <a:spcPts val="0"/>
               </a:spcBef>
               <a:spcAft>
-                <a:spcPts val="200"/>
+                <a:spcPts val="201"/>
               </a:spcAft>
               <a:buSzPct val="80000"/>
               <a:buFont typeface="Arial" panose="020B0604020202020204" pitchFamily="34" charset="0"/>
@@ -6524,33 +6889,13 @@
               <a:defRPr/>
             </a:pPr>
             <a:r>
-              <a:rPr lang="en-US" dirty="0">
+              <a:rPr lang="en-US" sz="1001" dirty="0">
                 <a:latin typeface="Univers for KPMG" panose="020B0603020202020204"/>
               </a:rPr>
-              <a:t>P</a:t>
-            </a:r>
-            <a:r>
-              <a:rPr lang="en-US" b="0" i="0" dirty="0">
-                <a:effectLst/>
-                <a:latin typeface="Univers for KPMG" panose="020B0603020202020204"/>
-              </a:rPr>
-              <a:t>layed a pivotal role in solidifying Apache Superset's position as a viable solution by </a:t>
-            </a:r>
-            <a:r>
-              <a:rPr lang="en-US" dirty="0">
-                <a:latin typeface="Univers for KPMG" panose="020B0603020202020204"/>
-              </a:rPr>
-              <a:t>taking </a:t>
-            </a:r>
-            <a:r>
-              <a:rPr lang="en-US" b="0" i="0" dirty="0">
-                <a:effectLst/>
-                <a:latin typeface="Univers for KPMG" panose="020B0603020202020204"/>
-              </a:rPr>
-              <a:t>the initiative to learn the platform from scratch, conducting extensive feature exploration and actively engaging with its creators and contributors developing </a:t>
-            </a:r>
-            <a:r>
-              <a:rPr lang="en-US" dirty="0">
+              <a:t>Played a pivotal role in solidifying Apache Superset's position as a viable solution by taking the initiative to learn the platform from scratch, conducting extensive feature exploration and actively engaging with its creators and contributors developing </a:t>
+            </a:r>
+            <a:r>
+              <a:rPr lang="en-US" sz="1001" dirty="0">
                 <a:solidFill>
                   <a:srgbClr val="000000"/>
                 </a:solidFill>
@@ -6561,12 +6906,12 @@
             </a:r>
           </a:p>
           <a:p>
-            <a:pPr lvl="4" defTabSz="378740" fontAlgn="b">
+            <a:pPr lvl="4" defTabSz="378744" fontAlgn="b">
               <a:spcBef>
                 <a:spcPts val="0"/>
               </a:spcBef>
               <a:spcAft>
-                <a:spcPts val="200"/>
+                <a:spcPts val="201"/>
               </a:spcAft>
               <a:buSzPct val="80000"/>
               <a:buFont typeface="Arial" panose="020B0604020202020204" pitchFamily="34" charset="0"/>
@@ -6574,7 +6919,7 @@
               <a:defRPr/>
             </a:pPr>
             <a:r>
-              <a:rPr lang="en-US" dirty="0">
+              <a:rPr lang="en-US" sz="1001" dirty="0">
                 <a:solidFill>
                   <a:srgbClr val="000000"/>
                 </a:solidFill>
@@ -6584,7 +6929,7 @@
               <a:t>Single handedly designed data model and wrote SQL queries to process more than 30 million transactions per day.</a:t>
             </a:r>
             <a:r>
-              <a:rPr lang="en-US" dirty="0">
+              <a:rPr lang="en-US" sz="1001" dirty="0">
                 <a:solidFill>
                   <a:srgbClr val="000000"/>
                 </a:solidFill>
@@ -6598,19 +6943,19 @@
             </a:r>
           </a:p>
           <a:p>
-            <a:pPr marL="177800" lvl="3" indent="0" defTabSz="378740" fontAlgn="b">
+            <a:pPr marL="177803" lvl="3" indent="0" defTabSz="378744" fontAlgn="b">
               <a:spcBef>
-                <a:spcPts val="200"/>
+                <a:spcPts val="201"/>
               </a:spcBef>
               <a:spcAft>
-                <a:spcPts val="200"/>
+                <a:spcPts val="201"/>
               </a:spcAft>
               <a:buSzPct val="80000"/>
               <a:buNone/>
               <a:defRPr/>
             </a:pPr>
             <a:r>
-              <a:rPr lang="en-US" b="1" dirty="0">
+              <a:rPr lang="en-US" sz="1001" b="1" dirty="0">
                 <a:solidFill>
                   <a:srgbClr val="000000"/>
                 </a:solidFill>
@@ -6620,7 +6965,7 @@
               <a:t>Procurement Process Reporting using </a:t>
             </a:r>
             <a:r>
-              <a:rPr lang="en-US" b="1" dirty="0" err="1">
+              <a:rPr lang="en-US" sz="1001" b="1" dirty="0" err="1">
                 <a:solidFill>
                   <a:srgbClr val="000000"/>
                 </a:solidFill>
@@ -6630,7 +6975,7 @@
               <a:t>PowerBI</a:t>
             </a:r>
             <a:r>
-              <a:rPr lang="en-US" b="1" dirty="0">
+              <a:rPr lang="en-US" sz="1001" b="1" dirty="0">
                 <a:solidFill>
                   <a:srgbClr val="000000"/>
                 </a:solidFill>
@@ -6641,12 +6986,12 @@
             </a:r>
           </a:p>
           <a:p>
-            <a:pPr lvl="4" defTabSz="378740" fontAlgn="b">
+            <a:pPr lvl="4" defTabSz="378744" fontAlgn="b">
               <a:spcBef>
                 <a:spcPts val="0"/>
               </a:spcBef>
               <a:spcAft>
-                <a:spcPts val="200"/>
+                <a:spcPts val="201"/>
               </a:spcAft>
               <a:buSzPct val="80000"/>
               <a:buFont typeface="Arial" panose="020B0604020202020204" pitchFamily="34" charset="0"/>
@@ -6654,28 +6999,28 @@
               <a:defRPr/>
             </a:pPr>
             <a:r>
-              <a:rPr lang="en-US" dirty="0" err="1">
+              <a:rPr lang="en-US" sz="1001" dirty="0" err="1">
                 <a:latin typeface="Univers for KPMG" panose="020B0603020202020204"/>
                 <a:cs typeface="Calibri" panose="020F0502020204030204" pitchFamily="34" charset="0"/>
               </a:rPr>
               <a:t>Utilised</a:t>
             </a:r>
             <a:r>
-              <a:rPr lang="en-US" dirty="0">
+              <a:rPr lang="en-US" sz="1001" dirty="0">
                 <a:latin typeface="Univers for KPMG" panose="020B0603020202020204"/>
                 <a:cs typeface="Calibri" panose="020F0502020204030204" pitchFamily="34" charset="0"/>
               </a:rPr>
               <a:t> </a:t>
             </a:r>
             <a:r>
-              <a:rPr lang="en-US" dirty="0" err="1">
+              <a:rPr lang="en-US" sz="1001" dirty="0" err="1">
                 <a:latin typeface="Univers for KPMG" panose="020B0603020202020204"/>
                 <a:cs typeface="Calibri" panose="020F0502020204030204" pitchFamily="34" charset="0"/>
               </a:rPr>
               <a:t>PowerBI</a:t>
             </a:r>
             <a:r>
-              <a:rPr lang="en-US" dirty="0">
+              <a:rPr lang="en-US" sz="1001" dirty="0">
                 <a:latin typeface="Univers for KPMG" panose="020B0603020202020204"/>
                 <a:cs typeface="Calibri" panose="020F0502020204030204" pitchFamily="34" charset="0"/>
               </a:rPr>
@@ -6683,12 +7028,12 @@
             </a:r>
           </a:p>
           <a:p>
-            <a:pPr lvl="4" defTabSz="378740" fontAlgn="b">
+            <a:pPr lvl="4" defTabSz="378744" fontAlgn="b">
               <a:spcBef>
                 <a:spcPts val="0"/>
               </a:spcBef>
               <a:spcAft>
-                <a:spcPts val="200"/>
+                <a:spcPts val="201"/>
               </a:spcAft>
               <a:buSzPct val="80000"/>
               <a:buFont typeface="Arial" panose="020B0604020202020204" pitchFamily="34" charset="0"/>
@@ -6696,14 +7041,14 @@
               <a:defRPr/>
             </a:pPr>
             <a:r>
-              <a:rPr lang="en-US" dirty="0">
+              <a:rPr lang="en-US" sz="1001" dirty="0">
                 <a:latin typeface="Univers for KPMG" panose="020B0603020202020204"/>
                 <a:cs typeface="Calibri" panose="020F0502020204030204" pitchFamily="34" charset="0"/>
               </a:rPr>
               <a:t>Created data pipelines using Python for automation of data loading and transformation</a:t>
             </a:r>
             <a:r>
-              <a:rPr lang="en-US" dirty="0">
+              <a:rPr lang="en-US" sz="1001" dirty="0">
                 <a:solidFill>
                   <a:srgbClr val="000000"/>
                 </a:solidFill>
@@ -6714,19 +7059,19 @@
             </a:r>
           </a:p>
           <a:p>
-            <a:pPr marL="177800" lvl="3" indent="0" defTabSz="378740" fontAlgn="b">
+            <a:pPr marL="177803" lvl="3" indent="0" defTabSz="378744" fontAlgn="b">
               <a:spcBef>
-                <a:spcPts val="200"/>
+                <a:spcPts val="201"/>
               </a:spcBef>
               <a:spcAft>
-                <a:spcPts val="200"/>
+                <a:spcPts val="201"/>
               </a:spcAft>
               <a:buSzPct val="80000"/>
               <a:buNone/>
               <a:defRPr/>
             </a:pPr>
             <a:r>
-              <a:rPr lang="en-US" b="1" dirty="0">
+              <a:rPr lang="en-US" sz="1001" b="1" dirty="0">
                 <a:solidFill>
                   <a:srgbClr val="000000"/>
                 </a:solidFill>
@@ -6737,12 +7082,12 @@
             </a:r>
           </a:p>
           <a:p>
-            <a:pPr lvl="4" defTabSz="378740" fontAlgn="b">
+            <a:pPr lvl="4" defTabSz="378744" fontAlgn="b">
               <a:spcBef>
                 <a:spcPts val="0"/>
               </a:spcBef>
               <a:spcAft>
-                <a:spcPts val="200"/>
+                <a:spcPts val="201"/>
               </a:spcAft>
               <a:buSzPct val="80000"/>
               <a:buFont typeface="Arial" panose="020B0604020202020204" pitchFamily="34" charset="0"/>
@@ -6750,7 +7095,7 @@
               <a:defRPr/>
             </a:pPr>
             <a:r>
-              <a:rPr lang="en-US" dirty="0">
+              <a:rPr lang="en-US" sz="1001" dirty="0">
                 <a:solidFill>
                   <a:srgbClr val="000000"/>
                 </a:solidFill>
@@ -6759,7 +7104,7 @@
               </a:rPr>
               <a:t>Executed KPIs for assessment of revenue leakage in various products/services offered by them like Credit Card, Merchant Discount Rates and Treasury. </a:t>
             </a:r>
-            <a:endParaRPr lang="en-US" dirty="0">
+            <a:endParaRPr lang="en-US" sz="1001" dirty="0">
               <a:solidFill>
                 <a:srgbClr val="000000"/>
               </a:solidFill>
@@ -6771,12 +7116,12 @@
             </a:endParaRPr>
           </a:p>
           <a:p>
-            <a:pPr lvl="4" defTabSz="378740" fontAlgn="b">
+            <a:pPr lvl="4" defTabSz="378744" fontAlgn="b">
               <a:spcBef>
                 <a:spcPts val="0"/>
               </a:spcBef>
               <a:spcAft>
-                <a:spcPts val="200"/>
+                <a:spcPts val="201"/>
               </a:spcAft>
               <a:buSzPct val="80000"/>
               <a:buFont typeface="Arial" panose="020B0604020202020204" pitchFamily="34" charset="0"/>
@@ -6784,7 +7129,7 @@
               <a:defRPr/>
             </a:pPr>
             <a:r>
-              <a:rPr lang="en-US" dirty="0">
+              <a:rPr lang="en-US" sz="1001" dirty="0">
                 <a:solidFill>
                   <a:srgbClr val="000000"/>
                 </a:solidFill>
@@ -6795,19 +7140,19 @@
             </a:r>
           </a:p>
           <a:p>
-            <a:pPr marL="177800" lvl="3" indent="0" defTabSz="378740" fontAlgn="b">
+            <a:pPr marL="177803" lvl="3" indent="0" defTabSz="378744" fontAlgn="b">
               <a:spcBef>
-                <a:spcPts val="200"/>
+                <a:spcPts val="201"/>
               </a:spcBef>
               <a:spcAft>
-                <a:spcPts val="200"/>
+                <a:spcPts val="201"/>
               </a:spcAft>
               <a:buSzPct val="80000"/>
               <a:buNone/>
               <a:defRPr/>
             </a:pPr>
             <a:r>
-              <a:rPr lang="en-US" b="1" dirty="0">
+              <a:rPr lang="en-US" sz="1001" b="1" dirty="0">
                 <a:solidFill>
                   <a:srgbClr val="000000"/>
                 </a:solidFill>
@@ -6818,12 +7163,12 @@
             </a:r>
           </a:p>
           <a:p>
-            <a:pPr lvl="4" defTabSz="378740" fontAlgn="b">
+            <a:pPr lvl="4" defTabSz="378744" fontAlgn="b">
               <a:spcBef>
                 <a:spcPts val="0"/>
               </a:spcBef>
               <a:spcAft>
-                <a:spcPts val="200"/>
+                <a:spcPts val="201"/>
               </a:spcAft>
               <a:buSzPct val="80000"/>
               <a:buFont typeface="Arial" panose="020B0604020202020204" pitchFamily="34" charset="0"/>
@@ -6831,7 +7176,7 @@
               <a:defRPr/>
             </a:pPr>
             <a:r>
-              <a:rPr lang="en-US" dirty="0">
+              <a:rPr lang="en-US" sz="1001" dirty="0">
                 <a:solidFill>
                   <a:srgbClr val="000000"/>
                 </a:solidFill>
@@ -6842,12 +7187,12 @@
             </a:r>
           </a:p>
           <a:p>
-            <a:pPr lvl="4" defTabSz="378740" fontAlgn="b">
+            <a:pPr lvl="4" defTabSz="378744" fontAlgn="b">
               <a:spcBef>
                 <a:spcPts val="0"/>
               </a:spcBef>
               <a:spcAft>
-                <a:spcPts val="200"/>
+                <a:spcPts val="201"/>
               </a:spcAft>
               <a:buSzPct val="80000"/>
               <a:buFont typeface="Arial" panose="020B0604020202020204" pitchFamily="34" charset="0"/>
@@ -6855,7 +7200,7 @@
               <a:defRPr/>
             </a:pPr>
             <a:r>
-              <a:rPr lang="en-US" dirty="0">
+              <a:rPr lang="en-US" sz="1001" dirty="0">
                 <a:solidFill>
                   <a:srgbClr val="000000"/>
                 </a:solidFill>
@@ -6865,7 +7210,7 @@
               <a:t>Used </a:t>
             </a:r>
             <a:r>
-              <a:rPr lang="en-US" b="1" dirty="0">
+              <a:rPr lang="en-US" sz="1001" b="1" dirty="0">
                 <a:solidFill>
                   <a:srgbClr val="000000"/>
                 </a:solidFill>
@@ -6875,7 +7220,7 @@
               <a:t>Pandas </a:t>
             </a:r>
             <a:r>
-              <a:rPr lang="en-US" dirty="0">
+              <a:rPr lang="en-US" sz="1001" dirty="0">
                 <a:solidFill>
                   <a:srgbClr val="000000"/>
                 </a:solidFill>
@@ -6886,19 +7231,19 @@
             </a:r>
           </a:p>
           <a:p>
-            <a:pPr marL="177800" lvl="3" indent="0" defTabSz="378740" fontAlgn="b">
+            <a:pPr marL="177803" lvl="3" indent="0" defTabSz="378744" fontAlgn="b">
               <a:spcBef>
-                <a:spcPts val="200"/>
+                <a:spcPts val="201"/>
               </a:spcBef>
               <a:spcAft>
-                <a:spcPts val="200"/>
+                <a:spcPts val="201"/>
               </a:spcAft>
               <a:buSzPct val="80000"/>
               <a:buNone/>
               <a:defRPr/>
             </a:pPr>
             <a:r>
-              <a:rPr lang="en-US" b="1" dirty="0">
+              <a:rPr lang="en-US" sz="1001" b="1" dirty="0">
                 <a:solidFill>
                   <a:srgbClr val="000000"/>
                 </a:solidFill>
@@ -6909,12 +7254,12 @@
             </a:r>
           </a:p>
           <a:p>
-            <a:pPr lvl="4" defTabSz="378740" fontAlgn="b">
+            <a:pPr lvl="4" defTabSz="378744" fontAlgn="b">
               <a:spcBef>
-                <a:spcPts val="200"/>
+                <a:spcPts val="201"/>
               </a:spcBef>
               <a:spcAft>
-                <a:spcPts val="200"/>
+                <a:spcPts val="201"/>
               </a:spcAft>
               <a:buSzPct val="80000"/>
               <a:buFont typeface="Arial" panose="020B0604020202020204" pitchFamily="34" charset="0"/>
@@ -6922,7 +7267,7 @@
               <a:defRPr/>
             </a:pPr>
             <a:r>
-              <a:rPr lang="en-US" dirty="0">
+              <a:rPr lang="en-US" sz="1001" dirty="0">
                 <a:solidFill>
                   <a:srgbClr val="000000"/>
                 </a:solidFill>
@@ -6933,12 +7278,12 @@
             </a:r>
           </a:p>
           <a:p>
-            <a:pPr lvl="4" defTabSz="378740" fontAlgn="b">
+            <a:pPr lvl="4" defTabSz="378744" fontAlgn="b">
               <a:spcBef>
-                <a:spcPts val="200"/>
+                <a:spcPts val="201"/>
               </a:spcBef>
               <a:spcAft>
-                <a:spcPts val="200"/>
+                <a:spcPts val="201"/>
               </a:spcAft>
               <a:buSzPct val="80000"/>
               <a:buFont typeface="Arial" panose="020B0604020202020204" pitchFamily="34" charset="0"/>
@@ -6946,7 +7291,7 @@
               <a:defRPr/>
             </a:pPr>
             <a:r>
-              <a:rPr lang="en-US" dirty="0">
+              <a:rPr lang="en-US" sz="1001" dirty="0">
                 <a:solidFill>
                   <a:srgbClr val="000000"/>
                 </a:solidFill>
@@ -6957,19 +7302,19 @@
             </a:r>
           </a:p>
           <a:p>
-            <a:pPr marL="180975" lvl="3" indent="0" defTabSz="378740" fontAlgn="b">
+            <a:pPr marL="180976" lvl="3" indent="0" defTabSz="378744" fontAlgn="b">
               <a:spcBef>
-                <a:spcPts val="200"/>
+                <a:spcPts val="201"/>
               </a:spcBef>
               <a:spcAft>
-                <a:spcPts val="200"/>
+                <a:spcPts val="201"/>
               </a:spcAft>
               <a:buSzPct val="80000"/>
               <a:buNone/>
               <a:defRPr/>
             </a:pPr>
             <a:r>
-              <a:rPr lang="en-US" b="1" dirty="0">
+              <a:rPr lang="en-US" sz="1001" b="1" dirty="0">
                 <a:solidFill>
                   <a:srgbClr val="000000"/>
                 </a:solidFill>
@@ -6980,12 +7325,12 @@
             </a:r>
           </a:p>
           <a:p>
-            <a:pPr lvl="4" defTabSz="378740" fontAlgn="b">
+            <a:pPr lvl="4" defTabSz="378744" fontAlgn="b">
               <a:spcBef>
                 <a:spcPts val="0"/>
               </a:spcBef>
               <a:spcAft>
-                <a:spcPts val="200"/>
+                <a:spcPts val="201"/>
               </a:spcAft>
               <a:buSzPct val="80000"/>
               <a:buFont typeface="Arial" panose="020B0604020202020204" pitchFamily="34" charset="0"/>
@@ -6993,7 +7338,7 @@
               <a:defRPr/>
             </a:pPr>
             <a:r>
-              <a:rPr lang="en-US" dirty="0">
+              <a:rPr lang="en-US" sz="1001" dirty="0">
                 <a:solidFill>
                   <a:srgbClr val="000000"/>
                 </a:solidFill>
@@ -7004,12 +7349,12 @@
             </a:r>
           </a:p>
           <a:p>
-            <a:pPr lvl="4" defTabSz="378740" fontAlgn="b">
+            <a:pPr lvl="4" defTabSz="378744" fontAlgn="b">
               <a:spcBef>
                 <a:spcPts val="0"/>
               </a:spcBef>
               <a:spcAft>
-                <a:spcPts val="200"/>
+                <a:spcPts val="201"/>
               </a:spcAft>
               <a:buSzPct val="80000"/>
               <a:buFont typeface="Arial" panose="020B0604020202020204" pitchFamily="34" charset="0"/>
@@ -7017,7 +7362,7 @@
               <a:defRPr/>
             </a:pPr>
             <a:r>
-              <a:rPr lang="en-US" dirty="0">
+              <a:rPr lang="en-US" sz="1001" dirty="0">
                 <a:solidFill>
                   <a:srgbClr val="000000"/>
                 </a:solidFill>
@@ -7027,7 +7372,7 @@
               <a:t>Performed User Acceptance Testing on the admin platform and API testing using </a:t>
             </a:r>
             <a:r>
-              <a:rPr lang="en-US" dirty="0" err="1">
+              <a:rPr lang="en-US" sz="1001" dirty="0" err="1">
                 <a:solidFill>
                   <a:srgbClr val="000000"/>
                 </a:solidFill>
@@ -7037,7 +7382,7 @@
               <a:t>GraphQL</a:t>
             </a:r>
             <a:r>
-              <a:rPr lang="en-US" dirty="0">
+              <a:rPr lang="en-US" sz="1001" dirty="0">
                 <a:solidFill>
                   <a:srgbClr val="000000"/>
                 </a:solidFill>
@@ -7065,8 +7410,8 @@
         </p:nvSpPr>
         <p:spPr bwMode="auto">
           <a:xfrm>
-            <a:off x="116650" y="2655783"/>
-            <a:ext cx="2258562" cy="3762568"/>
+            <a:off x="116651" y="2655784"/>
+            <a:ext cx="2258562" cy="3765646"/>
           </a:xfrm>
           <a:prstGeom prst="rect">
             <a:avLst/>
@@ -7085,11 +7430,11 @@
           </a:bodyPr>
           <a:lstStyle/>
           <a:p>
-            <a:pPr marL="11723" defTabSz="844083">
+            <a:pPr marL="11723" defTabSz="844094">
               <a:defRPr/>
             </a:pPr>
             <a:r>
-              <a:rPr lang="en-US" sz="1000" b="1" kern="0" dirty="0">
+              <a:rPr lang="en-US" sz="1001" b="1" kern="0" dirty="0">
                 <a:solidFill>
                   <a:srgbClr val="0C2D83"/>
                 </a:solidFill>
@@ -7100,11 +7445,11 @@
             </a:r>
           </a:p>
           <a:p>
-            <a:pPr marL="11723" defTabSz="378740">
+            <a:pPr marL="11723" defTabSz="378744">
               <a:defRPr/>
             </a:pPr>
             <a:r>
-              <a:rPr lang="en-GB" sz="1000" dirty="0">
+              <a:rPr lang="en-GB" sz="1001" dirty="0">
                 <a:solidFill>
                   <a:srgbClr val="000000"/>
                 </a:solidFill>
@@ -7113,7 +7458,7 @@
               </a:rPr>
               <a:t>KPMG India</a:t>
             </a:r>
-            <a:endParaRPr lang="en-GB" sz="1000" kern="0" dirty="0">
+            <a:endParaRPr lang="en-GB" sz="1001" kern="0" dirty="0">
               <a:solidFill>
                 <a:srgbClr val="000000"/>
               </a:solidFill>
@@ -7126,7 +7471,7 @@
               <a:defRPr/>
             </a:pPr>
             <a:r>
-              <a:rPr lang="en-US" sz="1000" kern="0" dirty="0">
+              <a:rPr lang="en-US" sz="1001" kern="0" dirty="0">
                 <a:solidFill>
                   <a:sysClr val="windowText" lastClr="000000"/>
                 </a:solidFill>
@@ -7136,7 +7481,7 @@
               </a:rPr>
               <a:t>rishabhtripathi1@kpmg.com</a:t>
             </a:r>
-            <a:endParaRPr lang="en-US" sz="1000" kern="0" dirty="0">
+            <a:endParaRPr lang="en-US" sz="1001" kern="0" dirty="0">
               <a:solidFill>
                 <a:sysClr val="windowText" lastClr="000000"/>
               </a:solidFill>
@@ -7149,7 +7494,7 @@
               <a:defRPr/>
             </a:pPr>
             <a:r>
-              <a:rPr lang="en-US" sz="1000" kern="0" dirty="0">
+              <a:rPr lang="en-US" sz="1001" kern="0" dirty="0">
                 <a:solidFill>
                   <a:sysClr val="windowText" lastClr="000000"/>
                 </a:solidFill>
@@ -7163,7 +7508,7 @@
             <a:pPr>
               <a:defRPr/>
             </a:pPr>
-            <a:endParaRPr lang="en-US" sz="1000" b="1" kern="0" dirty="0">
+            <a:endParaRPr lang="en-US" sz="1001" b="1" kern="0" dirty="0">
               <a:solidFill>
                 <a:srgbClr val="00338D"/>
               </a:solidFill>
@@ -7172,14 +7517,14 @@
             </a:endParaRPr>
           </a:p>
           <a:p>
-            <a:pPr defTabSz="844083">
+            <a:pPr defTabSz="844094">
               <a:tabLst>
-                <a:tab pos="274034" algn="l"/>
+                <a:tab pos="274037" algn="l"/>
               </a:tabLst>
               <a:defRPr/>
             </a:pPr>
             <a:r>
-              <a:rPr lang="en-US" sz="1000" b="1" kern="0" dirty="0">
+              <a:rPr lang="en-US" sz="1001" b="1" kern="0" dirty="0">
                 <a:solidFill>
                   <a:srgbClr val="00338D"/>
                 </a:solidFill>
@@ -7190,16 +7535,16 @@
             </a:r>
           </a:p>
           <a:p>
-            <a:pPr marL="171450" indent="-171450" defTabSz="844083">
+            <a:pPr marL="171453" indent="-171453" defTabSz="844094">
               <a:buFont typeface="Arial" panose="020B0604020202020204" pitchFamily="34" charset="0"/>
               <a:buChar char="•"/>
               <a:tabLst>
-                <a:tab pos="274034" algn="l"/>
+                <a:tab pos="274037" algn="l"/>
               </a:tabLst>
               <a:defRPr/>
             </a:pPr>
             <a:r>
-              <a:rPr lang="en-US" sz="1000" kern="0" dirty="0">
+              <a:rPr lang="en-US" sz="1001" kern="0" dirty="0">
                 <a:solidFill>
                   <a:srgbClr val="000000"/>
                 </a:solidFill>
@@ -7211,16 +7556,16 @@
             </a:r>
           </a:p>
           <a:p>
-            <a:pPr marL="171450" indent="-171450" defTabSz="844083">
+            <a:pPr marL="171453" indent="-171453" defTabSz="844094">
               <a:buFont typeface="Arial" panose="020B0604020202020204" pitchFamily="34" charset="0"/>
               <a:buChar char="•"/>
               <a:tabLst>
-                <a:tab pos="274034" algn="l"/>
+                <a:tab pos="274037" algn="l"/>
               </a:tabLst>
               <a:defRPr/>
             </a:pPr>
             <a:r>
-              <a:rPr lang="en-US" sz="1000" kern="0" dirty="0">
+              <a:rPr lang="en-US" sz="1001" kern="0" dirty="0">
                 <a:solidFill>
                   <a:srgbClr val="000000"/>
                 </a:solidFill>
@@ -7231,7 +7576,7 @@
               <a:t>Apache Superset and </a:t>
             </a:r>
             <a:r>
-              <a:rPr lang="en-US" sz="1000" kern="0" dirty="0" err="1">
+              <a:rPr lang="en-US" sz="1001" kern="0" dirty="0" err="1">
                 <a:solidFill>
                   <a:srgbClr val="000000"/>
                 </a:solidFill>
@@ -7242,7 +7587,7 @@
               <a:t>PowerBI</a:t>
             </a:r>
             <a:r>
-              <a:rPr lang="en-US" sz="1000" kern="0" dirty="0">
+              <a:rPr lang="en-US" sz="1001" kern="0" dirty="0">
                 <a:solidFill>
                   <a:srgbClr val="000000"/>
                 </a:solidFill>
@@ -7254,16 +7599,16 @@
             </a:r>
           </a:p>
           <a:p>
-            <a:pPr marL="171450" indent="-171450" defTabSz="844083">
+            <a:pPr marL="171453" indent="-171453" defTabSz="844094">
               <a:buFont typeface="Arial" panose="020B0604020202020204" pitchFamily="34" charset="0"/>
               <a:buChar char="•"/>
               <a:tabLst>
-                <a:tab pos="274034" algn="l"/>
+                <a:tab pos="274037" algn="l"/>
               </a:tabLst>
               <a:defRPr/>
             </a:pPr>
             <a:r>
-              <a:rPr lang="en-US" sz="1000" kern="0" dirty="0">
+              <a:rPr lang="en-US" sz="1001" kern="0" dirty="0">
                 <a:solidFill>
                   <a:srgbClr val="000000"/>
                 </a:solidFill>
@@ -7274,7 +7619,7 @@
               <a:t>Relational Databases – MySQL ,Postgres, </a:t>
             </a:r>
             <a:r>
-              <a:rPr lang="en-US" sz="1000" kern="0" dirty="0" err="1">
+              <a:rPr lang="en-US" sz="1001" kern="0" dirty="0" err="1">
                 <a:solidFill>
                   <a:srgbClr val="000000"/>
                 </a:solidFill>
@@ -7285,7 +7630,7 @@
               <a:t>Clickhouse</a:t>
             </a:r>
             <a:r>
-              <a:rPr lang="en-US" sz="1000" kern="0" dirty="0">
+              <a:rPr lang="en-US" sz="1001" kern="0" dirty="0">
                 <a:solidFill>
                   <a:srgbClr val="000000"/>
                 </a:solidFill>
@@ -7297,16 +7642,16 @@
             </a:r>
           </a:p>
           <a:p>
-            <a:pPr marL="171450" indent="-171450" defTabSz="844083">
+            <a:pPr marL="171453" indent="-171453" defTabSz="844094">
               <a:buFont typeface="Arial" panose="020B0604020202020204" pitchFamily="34" charset="0"/>
               <a:buChar char="•"/>
               <a:tabLst>
-                <a:tab pos="274034" algn="l"/>
+                <a:tab pos="274037" algn="l"/>
               </a:tabLst>
               <a:defRPr/>
             </a:pPr>
             <a:r>
-              <a:rPr lang="en-US" sz="1000" kern="0" dirty="0">
+              <a:rPr lang="en-US" sz="1001" kern="0" dirty="0">
                 <a:solidFill>
                   <a:srgbClr val="000000"/>
                 </a:solidFill>
@@ -7318,16 +7663,16 @@
             </a:r>
           </a:p>
           <a:p>
-            <a:pPr marL="171450" indent="-171450" defTabSz="844083">
+            <a:pPr marL="171453" indent="-171453" defTabSz="844094">
               <a:buFont typeface="Arial" panose="020B0604020202020204" pitchFamily="34" charset="0"/>
               <a:buChar char="•"/>
               <a:tabLst>
-                <a:tab pos="274034" algn="l"/>
+                <a:tab pos="274037" algn="l"/>
               </a:tabLst>
               <a:defRPr/>
             </a:pPr>
             <a:r>
-              <a:rPr lang="en-US" sz="1000" kern="0" dirty="0">
+              <a:rPr lang="en-US" sz="1001" kern="0" dirty="0">
                 <a:solidFill>
                   <a:srgbClr val="000000"/>
                 </a:solidFill>
@@ -7338,7 +7683,7 @@
               <a:t>UAT, Jira and </a:t>
             </a:r>
             <a:r>
-              <a:rPr lang="en-US" sz="1000" kern="0" dirty="0" err="1">
+              <a:rPr lang="en-US" sz="1001" kern="0" dirty="0" err="1">
                 <a:solidFill>
                   <a:srgbClr val="000000"/>
                 </a:solidFill>
@@ -7349,7 +7694,7 @@
               <a:t>GraphQL</a:t>
             </a:r>
             <a:r>
-              <a:rPr lang="en-US" sz="1000" kern="0" dirty="0">
+              <a:rPr lang="en-US" sz="1001" kern="0" dirty="0">
                 <a:solidFill>
                   <a:srgbClr val="000000"/>
                 </a:solidFill>
@@ -7361,16 +7706,16 @@
             </a:r>
           </a:p>
           <a:p>
-            <a:pPr defTabSz="844083">
+            <a:pPr defTabSz="844094">
               <a:lnSpc>
                 <a:spcPct val="85000"/>
               </a:lnSpc>
               <a:tabLst>
-                <a:tab pos="274034" algn="l"/>
+                <a:tab pos="274037" algn="l"/>
               </a:tabLst>
               <a:defRPr/>
             </a:pPr>
-            <a:endParaRPr lang="en-US" sz="1000" b="1" kern="0" dirty="0">
+            <a:endParaRPr lang="en-US" sz="1001" b="1" kern="0" dirty="0">
               <a:solidFill>
                 <a:srgbClr val="00338D"/>
               </a:solidFill>
@@ -7379,14 +7724,14 @@
             </a:endParaRPr>
           </a:p>
           <a:p>
-            <a:pPr defTabSz="844083" eaLnBrk="0" hangingPunct="0">
+            <a:pPr defTabSz="844094" eaLnBrk="0" hangingPunct="0">
               <a:tabLst>
-                <a:tab pos="274034" algn="l"/>
+                <a:tab pos="274037" algn="l"/>
               </a:tabLst>
               <a:defRPr/>
             </a:pPr>
             <a:r>
-              <a:rPr lang="en-US" sz="1000" b="1" kern="0" dirty="0">
+              <a:rPr lang="en-US" sz="1001" b="1" kern="0" dirty="0">
                 <a:solidFill>
                   <a:srgbClr val="00338D"/>
                 </a:solidFill>
@@ -7397,7 +7742,7 @@
             </a:r>
           </a:p>
           <a:p>
-            <a:pPr marL="120165" lvl="1" indent="-118700" defTabSz="844083">
+            <a:pPr marL="120167" lvl="1" indent="-118702" defTabSz="844094">
               <a:buClr>
                 <a:srgbClr val="97989A"/>
               </a:buClr>
@@ -7405,12 +7750,12 @@
               <a:buFont typeface="Wingdings" pitchFamily="2" charset="2"/>
               <a:buChar char="n"/>
               <a:tabLst>
-                <a:tab pos="274034" algn="l"/>
+                <a:tab pos="274037" algn="l"/>
               </a:tabLst>
               <a:defRPr/>
             </a:pPr>
             <a:r>
-              <a:rPr lang="en-US" sz="1000" kern="0" dirty="0">
+              <a:rPr lang="en-US" sz="1001" kern="0" dirty="0">
                 <a:solidFill>
                   <a:srgbClr val="000000"/>
                 </a:solidFill>
@@ -7421,7 +7766,7 @@
             </a:r>
           </a:p>
           <a:p>
-            <a:pPr marL="120165" lvl="1" indent="-118700" defTabSz="844083">
+            <a:pPr marL="120167" lvl="1" indent="-118702" defTabSz="844094">
               <a:buClr>
                 <a:srgbClr val="97989A"/>
               </a:buClr>
@@ -7429,12 +7774,12 @@
               <a:buFont typeface="Wingdings" pitchFamily="2" charset="2"/>
               <a:buChar char="n"/>
               <a:tabLst>
-                <a:tab pos="274034" algn="l"/>
+                <a:tab pos="274037" algn="l"/>
               </a:tabLst>
               <a:defRPr/>
             </a:pPr>
             <a:r>
-              <a:rPr lang="en-US" sz="1000" kern="0" dirty="0" err="1">
+              <a:rPr lang="en-US" sz="1001" kern="0" dirty="0" err="1">
                 <a:solidFill>
                   <a:srgbClr val="000000"/>
                 </a:solidFill>
@@ -7444,7 +7789,7 @@
               <a:t>Hackerrank</a:t>
             </a:r>
             <a:r>
-              <a:rPr lang="en-US" sz="1000" kern="0" dirty="0">
+              <a:rPr lang="en-US" sz="1001" kern="0" dirty="0">
                 <a:solidFill>
                   <a:srgbClr val="000000"/>
                 </a:solidFill>
@@ -7455,17 +7800,17 @@
             </a:r>
           </a:p>
           <a:p>
-            <a:pPr marL="1465" lvl="1" defTabSz="844083">
+            <a:pPr marL="1465" lvl="1" defTabSz="844094">
               <a:buClr>
                 <a:srgbClr val="97989A"/>
               </a:buClr>
               <a:buSzPct val="80000"/>
               <a:tabLst>
-                <a:tab pos="274034" algn="l"/>
+                <a:tab pos="274037" algn="l"/>
               </a:tabLst>
               <a:defRPr/>
             </a:pPr>
-            <a:endParaRPr lang="en-US" sz="1000" kern="0" dirty="0">
+            <a:endParaRPr lang="en-US" sz="1001" kern="0" dirty="0">
               <a:solidFill>
                 <a:srgbClr val="000000"/>
               </a:solidFill>
@@ -7474,14 +7819,14 @@
             </a:endParaRPr>
           </a:p>
           <a:p>
-            <a:pPr defTabSz="844083" eaLnBrk="0" hangingPunct="0">
+            <a:pPr defTabSz="844094" eaLnBrk="0" hangingPunct="0">
               <a:tabLst>
-                <a:tab pos="274034" algn="l"/>
+                <a:tab pos="274037" algn="l"/>
               </a:tabLst>
               <a:defRPr/>
             </a:pPr>
             <a:r>
-              <a:rPr lang="en-US" sz="1000" b="1" kern="0" dirty="0">
+              <a:rPr lang="en-US" sz="1001" b="1" kern="0" dirty="0">
                 <a:solidFill>
                   <a:srgbClr val="00338D"/>
                 </a:solidFill>
@@ -7492,7 +7837,7 @@
             </a:r>
           </a:p>
           <a:p>
-            <a:pPr marL="120165" lvl="1" indent="-118700" defTabSz="844083">
+            <a:pPr marL="120167" lvl="1" indent="-118702" defTabSz="844094">
               <a:buClr>
                 <a:srgbClr val="97989A"/>
               </a:buClr>
@@ -7500,12 +7845,12 @@
               <a:buFont typeface="Wingdings" pitchFamily="2" charset="2"/>
               <a:buChar char="n"/>
               <a:tabLst>
-                <a:tab pos="274034" algn="l"/>
+                <a:tab pos="274037" algn="l"/>
               </a:tabLst>
               <a:defRPr/>
             </a:pPr>
             <a:r>
-              <a:rPr lang="en-US" sz="1000" kern="0" dirty="0">
+              <a:rPr lang="en-US" sz="1001" kern="0" dirty="0">
                 <a:solidFill>
                   <a:srgbClr val="000000"/>
                 </a:solidFill>
@@ -7516,7 +7861,7 @@
             </a:r>
           </a:p>
           <a:p>
-            <a:pPr marL="120165" lvl="1" indent="-118700" defTabSz="844083">
+            <a:pPr marL="120167" lvl="1" indent="-118702" defTabSz="844094">
               <a:buClr>
                 <a:srgbClr val="97989A"/>
               </a:buClr>
@@ -7524,12 +7869,12 @@
               <a:buFont typeface="Wingdings" pitchFamily="2" charset="2"/>
               <a:buChar char="n"/>
               <a:tabLst>
-                <a:tab pos="274034" algn="l"/>
+                <a:tab pos="274037" algn="l"/>
               </a:tabLst>
               <a:defRPr/>
             </a:pPr>
             <a:r>
-              <a:rPr lang="en-US" sz="1000" kern="0" dirty="0">
+              <a:rPr lang="en-US" sz="1001" kern="0" dirty="0">
                 <a:solidFill>
                   <a:srgbClr val="000000"/>
                 </a:solidFill>
@@ -7540,7 +7885,7 @@
             </a:r>
           </a:p>
           <a:p>
-            <a:pPr marL="120165" lvl="1" indent="-118700" defTabSz="844083">
+            <a:pPr marL="120167" lvl="1" indent="-118702" defTabSz="844094">
               <a:buClr>
                 <a:srgbClr val="97989A"/>
               </a:buClr>
@@ -7548,12 +7893,12 @@
               <a:buFont typeface="Wingdings" pitchFamily="2" charset="2"/>
               <a:buChar char="n"/>
               <a:tabLst>
-                <a:tab pos="274034" algn="l"/>
+                <a:tab pos="274037" algn="l"/>
               </a:tabLst>
               <a:defRPr/>
             </a:pPr>
             <a:r>
-              <a:rPr lang="en-US" sz="1000" kern="0" dirty="0">
+              <a:rPr lang="en-US" sz="1001" kern="0" dirty="0">
                 <a:solidFill>
                   <a:srgbClr val="000000"/>
                 </a:solidFill>
@@ -7563,7 +7908,7 @@
               <a:t>Achieved 1</a:t>
             </a:r>
             <a:r>
-              <a:rPr lang="en-US" sz="1000" kern="0" baseline="30000" dirty="0">
+              <a:rPr lang="en-US" sz="1001" kern="0" baseline="30000" dirty="0">
                 <a:solidFill>
                   <a:srgbClr val="000000"/>
                 </a:solidFill>
@@ -7573,7 +7918,7 @@
               <a:t>st</a:t>
             </a:r>
             <a:r>
-              <a:rPr lang="en-US" sz="1000" kern="0" dirty="0">
+              <a:rPr lang="en-US" sz="1001" kern="0" dirty="0">
                 <a:solidFill>
                   <a:srgbClr val="000000"/>
                 </a:solidFill>
@@ -7612,7 +7957,7 @@
         </p:blipFill>
         <p:spPr>
           <a:xfrm>
-            <a:off x="224076" y="1079796"/>
+            <a:off x="224077" y="1079797"/>
             <a:ext cx="1267369" cy="1529659"/>
           </a:xfrm>
           <a:prstGeom prst="rect">
@@ -7638,8 +7983,8 @@
         </p:nvSpPr>
         <p:spPr>
           <a:xfrm>
-            <a:off x="224076" y="226011"/>
-            <a:ext cx="10765337" cy="533400"/>
+            <a:off x="224076" y="226010"/>
+            <a:ext cx="10765337" cy="533401"/>
           </a:xfrm>
         </p:spPr>
         <p:txBody>
@@ -7657,6 +8002,61 @@
     <p:extLst>
       <p:ext uri="{BB962C8B-B14F-4D97-AF65-F5344CB8AC3E}">
         <p14:creationId xmlns:p14="http://schemas.microsoft.com/office/powerpoint/2010/main" val="2977925796"/>
+      </p:ext>
+    </p:extLst>
+  </p:cSld>
+  <p:clrMapOvr>
+    <a:masterClrMapping/>
+  </p:clrMapOvr>
+</p:sld>
+</file>
+
+<file path=ppt/slides/slide2.xml><?xml version="1.0" encoding="utf-8"?>
+<p:sld xmlns:a="http://schemas.openxmlformats.org/drawingml/2006/main" xmlns:r="http://schemas.openxmlformats.org/officeDocument/2006/relationships" xmlns:p="http://schemas.openxmlformats.org/presentationml/2006/main">
+  <p:cSld>
+    <p:spTree>
+      <p:nvGrpSpPr>
+        <p:cNvPr id="1" name=""/>
+        <p:cNvGrpSpPr/>
+        <p:nvPr/>
+      </p:nvGrpSpPr>
+      <p:grpSpPr>
+        <a:xfrm>
+          <a:off x="0" y="0"/>
+          <a:ext cx="0" cy="0"/>
+          <a:chOff x="0" y="0"/>
+          <a:chExt cx="0" cy="0"/>
+        </a:xfrm>
+      </p:grpSpPr>
+      <p:sp>
+        <p:nvSpPr>
+          <p:cNvPr id="2" name="Title 1">
+            <a:extLst>
+              <a:ext uri="{FF2B5EF4-FFF2-40B4-BE49-F238E27FC236}">
+                <a16:creationId xmlns:a16="http://schemas.microsoft.com/office/drawing/2014/main" id="{879086F0-DDBB-1B13-E282-DD065C30838B}"/>
+              </a:ext>
+            </a:extLst>
+          </p:cNvPr>
+          <p:cNvSpPr>
+            <a:spLocks noGrp="1"/>
+          </p:cNvSpPr>
+          <p:nvPr>
+            <p:ph type="title"/>
+          </p:nvPr>
+        </p:nvSpPr>
+        <p:spPr/>
+        <p:txBody>
+          <a:bodyPr/>
+          <a:lstStyle/>
+          <a:p>
+            <a:endParaRPr lang="en-US" dirty="0"/>
+          </a:p>
+        </p:txBody>
+      </p:sp>
+    </p:spTree>
+    <p:extLst>
+      <p:ext uri="{BB962C8B-B14F-4D97-AF65-F5344CB8AC3E}">
+        <p14:creationId xmlns:p14="http://schemas.microsoft.com/office/powerpoint/2010/main" val="2138515364"/>
       </p:ext>
     </p:extLst>
   </p:cSld>
@@ -8228,12 +8628,9 @@
 </file>
 
 <file path=customXml/item1.xml><?xml version="1.0" encoding="utf-8"?>
-<?mso-contentType ?>
-<FormTemplates xmlns="http://schemas.microsoft.com/sharepoint/v3/contenttype/forms">
-  <Display>DocumentLibraryForm</Display>
-  <Edit>DocumentLibraryForm</Edit>
-  <New>DocumentLibraryForm</New>
-</FormTemplates>
+<p:properties xmlns:p="http://schemas.microsoft.com/office/2006/metadata/properties" xmlns:xsi="http://www.w3.org/2001/XMLSchema-instance" xmlns:pc="http://schemas.microsoft.com/office/infopath/2007/PartnerControls">
+  <documentManagement/>
+</p:properties>
 </file>
 
 <file path=customXml/item2.xml><?xml version="1.0" encoding="utf-8"?>
@@ -8460,15 +8857,27 @@
 </file>
 
 <file path=customXml/item3.xml><?xml version="1.0" encoding="utf-8"?>
-<p:properties xmlns:p="http://schemas.microsoft.com/office/2006/metadata/properties" xmlns:xsi="http://www.w3.org/2001/XMLSchema-instance" xmlns:pc="http://schemas.microsoft.com/office/infopath/2007/PartnerControls">
-  <documentManagement/>
-</p:properties>
+<?mso-contentType ?>
+<FormTemplates xmlns="http://schemas.microsoft.com/sharepoint/v3/contenttype/forms">
+  <Display>DocumentLibraryForm</Display>
+  <Edit>DocumentLibraryForm</Edit>
+  <New>DocumentLibraryForm</New>
+</FormTemplates>
 </file>
 
 <file path=customXml/itemProps1.xml><?xml version="1.0" encoding="utf-8"?>
-<ds:datastoreItem xmlns:ds="http://schemas.openxmlformats.org/officeDocument/2006/customXml" ds:itemID="{3618EDEA-DC0F-4651-B197-04444F9D32AB}">
+<ds:datastoreItem xmlns:ds="http://schemas.openxmlformats.org/officeDocument/2006/customXml" ds:itemID="{2F0F61E3-5C23-48AC-9594-BEAE0C0DD15E}">
   <ds:schemaRefs>
-    <ds:schemaRef ds:uri="http://schemas.microsoft.com/sharepoint/v3/contenttype/forms"/>
+    <ds:schemaRef ds:uri="61a260c3-bd5c-4574-859f-71217fd5614e"/>
+    <ds:schemaRef ds:uri="http://www.w3.org/XML/1998/namespace"/>
+    <ds:schemaRef ds:uri="http://schemas.microsoft.com/office/2006/documentManagement/types"/>
+    <ds:schemaRef ds:uri="http://purl.org/dc/elements/1.1/"/>
+    <ds:schemaRef ds:uri="http://purl.org/dc/terms/"/>
+    <ds:schemaRef ds:uri="http://schemas.microsoft.com/office/infopath/2007/PartnerControls"/>
+    <ds:schemaRef ds:uri="http://schemas.openxmlformats.org/package/2006/metadata/core-properties"/>
+    <ds:schemaRef ds:uri="0e795e1c-5248-4ec1-b601-7a39428f93c4"/>
+    <ds:schemaRef ds:uri="http://schemas.microsoft.com/office/2006/metadata/properties"/>
+    <ds:schemaRef ds:uri="http://purl.org/dc/dcmitype/"/>
   </ds:schemaRefs>
 </ds:datastoreItem>
 </file>
@@ -8493,18 +8902,9 @@
 </file>
 
 <file path=customXml/itemProps3.xml><?xml version="1.0" encoding="utf-8"?>
-<ds:datastoreItem xmlns:ds="http://schemas.openxmlformats.org/officeDocument/2006/customXml" ds:itemID="{2F0F61E3-5C23-48AC-9594-BEAE0C0DD15E}">
+<ds:datastoreItem xmlns:ds="http://schemas.openxmlformats.org/officeDocument/2006/customXml" ds:itemID="{3618EDEA-DC0F-4651-B197-04444F9D32AB}">
   <ds:schemaRefs>
-    <ds:schemaRef ds:uri="61a260c3-bd5c-4574-859f-71217fd5614e"/>
-    <ds:schemaRef ds:uri="http://www.w3.org/XML/1998/namespace"/>
-    <ds:schemaRef ds:uri="http://schemas.microsoft.com/office/2006/documentManagement/types"/>
-    <ds:schemaRef ds:uri="http://purl.org/dc/elements/1.1/"/>
-    <ds:schemaRef ds:uri="http://purl.org/dc/terms/"/>
-    <ds:schemaRef ds:uri="http://schemas.microsoft.com/office/infopath/2007/PartnerControls"/>
-    <ds:schemaRef ds:uri="http://schemas.openxmlformats.org/package/2006/metadata/core-properties"/>
-    <ds:schemaRef ds:uri="0e795e1c-5248-4ec1-b601-7a39428f93c4"/>
-    <ds:schemaRef ds:uri="http://schemas.microsoft.com/office/2006/metadata/properties"/>
-    <ds:schemaRef ds:uri="http://purl.org/dc/dcmitype/"/>
+    <ds:schemaRef ds:uri="http://schemas.microsoft.com/sharepoint/v3/contenttype/forms"/>
   </ds:schemaRefs>
 </ds:datastoreItem>
 </file>